--- a/Presentation.pptx
+++ b/Presentation.pptx
@@ -5,24 +5,26 @@
     <p:sldMasterId id="2147483927" r:id="rId1"/>
   </p:sldMasterIdLst>
   <p:notesMasterIdLst>
-    <p:notesMasterId r:id="rId17"/>
+    <p:notesMasterId r:id="rId19"/>
   </p:notesMasterIdLst>
   <p:sldIdLst>
     <p:sldId id="261" r:id="rId2"/>
     <p:sldId id="268" r:id="rId3"/>
     <p:sldId id="262" r:id="rId4"/>
-    <p:sldId id="275" r:id="rId5"/>
-    <p:sldId id="276" r:id="rId6"/>
-    <p:sldId id="277" r:id="rId7"/>
-    <p:sldId id="278" r:id="rId8"/>
-    <p:sldId id="279" r:id="rId9"/>
-    <p:sldId id="281" r:id="rId10"/>
-    <p:sldId id="280" r:id="rId11"/>
-    <p:sldId id="282" r:id="rId12"/>
-    <p:sldId id="266" r:id="rId13"/>
-    <p:sldId id="265" r:id="rId14"/>
-    <p:sldId id="267" r:id="rId15"/>
-    <p:sldId id="273" r:id="rId16"/>
+    <p:sldId id="290" r:id="rId5"/>
+    <p:sldId id="291" r:id="rId6"/>
+    <p:sldId id="287" r:id="rId7"/>
+    <p:sldId id="288" r:id="rId8"/>
+    <p:sldId id="292" r:id="rId9"/>
+    <p:sldId id="293" r:id="rId10"/>
+    <p:sldId id="294" r:id="rId11"/>
+    <p:sldId id="295" r:id="rId12"/>
+    <p:sldId id="286" r:id="rId13"/>
+    <p:sldId id="296" r:id="rId14"/>
+    <p:sldId id="299" r:id="rId15"/>
+    <p:sldId id="298" r:id="rId16"/>
+    <p:sldId id="267" r:id="rId17"/>
+    <p:sldId id="273" r:id="rId18"/>
   </p:sldIdLst>
   <p:sldSz cx="12192000" cy="6858000"/>
   <p:notesSz cx="6858000" cy="9144000"/>
@@ -621,7 +623,10 @@
           <a:bodyPr/>
           <a:lstStyle/>
           <a:p>
-            <a:endParaRPr lang="en-US" dirty="0"/>
+            <a:r>
+              <a:rPr lang="en-US" dirty="0"/>
+              <a:t>Outliers are: Unfriended, paranormal activity get out, Chernobyl diaries, paranormal activity</a:t>
+            </a:r>
           </a:p>
         </p:txBody>
       </p:sp>
@@ -642,7 +647,91 @@
           <a:p>
             <a:fld id="{573A9565-EDA8-4BD3-BA8E-0EA68CAA9CF9}" type="slidenum">
               <a:rPr lang="en-US" smtClean="0"/>
-              <a:t>14</a:t>
+              <a:t>10</a:t>
+            </a:fld>
+            <a:endParaRPr lang="en-US"/>
+          </a:p>
+        </p:txBody>
+      </p:sp>
+    </p:spTree>
+    <p:extLst>
+      <p:ext uri="{BB962C8B-B14F-4D97-AF65-F5344CB8AC3E}">
+        <p14:creationId xmlns:p14="http://schemas.microsoft.com/office/powerpoint/2010/main" val="353975453"/>
+      </p:ext>
+    </p:extLst>
+  </p:cSld>
+  <p:clrMapOvr>
+    <a:masterClrMapping/>
+  </p:clrMapOvr>
+</p:notes>
+</file>
+
+<file path=ppt/notesSlides/notesSlide11.xml><?xml version="1.0" encoding="utf-8"?>
+<p:notes xmlns:a="http://schemas.openxmlformats.org/drawingml/2006/main" xmlns:r="http://schemas.openxmlformats.org/officeDocument/2006/relationships" xmlns:p="http://schemas.openxmlformats.org/presentationml/2006/main">
+  <p:cSld>
+    <p:spTree>
+      <p:nvGrpSpPr>
+        <p:cNvPr id="1" name=""/>
+        <p:cNvGrpSpPr/>
+        <p:nvPr/>
+      </p:nvGrpSpPr>
+      <p:grpSpPr>
+        <a:xfrm>
+          <a:off x="0" y="0"/>
+          <a:ext cx="0" cy="0"/>
+          <a:chOff x="0" y="0"/>
+          <a:chExt cx="0" cy="0"/>
+        </a:xfrm>
+      </p:grpSpPr>
+      <p:sp>
+        <p:nvSpPr>
+          <p:cNvPr id="2" name="Slide Image Placeholder 1"/>
+          <p:cNvSpPr>
+            <a:spLocks noGrp="1" noRot="1" noChangeAspect="1"/>
+          </p:cNvSpPr>
+          <p:nvPr>
+            <p:ph type="sldImg"/>
+          </p:nvPr>
+        </p:nvSpPr>
+        <p:spPr/>
+      </p:sp>
+      <p:sp>
+        <p:nvSpPr>
+          <p:cNvPr id="3" name="Notes Placeholder 2"/>
+          <p:cNvSpPr>
+            <a:spLocks noGrp="1"/>
+          </p:cNvSpPr>
+          <p:nvPr>
+            <p:ph type="body" idx="1"/>
+          </p:nvPr>
+        </p:nvSpPr>
+        <p:spPr/>
+        <p:txBody>
+          <a:bodyPr/>
+          <a:lstStyle/>
+          <a:p>
+            <a:endParaRPr lang="en-US" dirty="0"/>
+          </a:p>
+        </p:txBody>
+      </p:sp>
+      <p:sp>
+        <p:nvSpPr>
+          <p:cNvPr id="4" name="Slide Number Placeholder 3"/>
+          <p:cNvSpPr>
+            <a:spLocks noGrp="1"/>
+          </p:cNvSpPr>
+          <p:nvPr>
+            <p:ph type="sldNum" sz="quarter" idx="5"/>
+          </p:nvPr>
+        </p:nvSpPr>
+        <p:spPr/>
+        <p:txBody>
+          <a:bodyPr/>
+          <a:lstStyle/>
+          <a:p>
+            <a:fld id="{573A9565-EDA8-4BD3-BA8E-0EA68CAA9CF9}" type="slidenum">
+              <a:rPr lang="en-US" smtClean="0"/>
+              <a:t>16</a:t>
             </a:fld>
             <a:endParaRPr lang="en-US"/>
           </a:p>
@@ -716,7 +805,7 @@
           <a:p>
             <a:r>
               <a:rPr lang="en-US" dirty="0"/>
-              <a:t>Cleaned Data to Observe and Analyze Trends (unbiased)*</a:t>
+              <a:t>Cleaned Data to Observe and Analyze Trends</a:t>
             </a:r>
           </a:p>
           <a:p>
@@ -725,7 +814,7 @@
           <a:p>
             <a:r>
               <a:rPr lang="en-US" dirty="0"/>
-              <a:t>Conclusions = Where you should invest your time and money for maximum profit margin</a:t>
+              <a:t>Conclusions = Where you should invest your time and money for large ROI</a:t>
             </a:r>
           </a:p>
         </p:txBody>
@@ -859,7 +948,7 @@
                 <a:ea typeface="+mn-ea"/>
                 <a:cs typeface="+mn-cs"/>
               </a:rPr>
-              <a:t>*Can we argue that profitability margins are more important that actual budgets because of the pandemic?</a:t>
+              <a:t>*2020: Can we argue that profitability is more important than actual dollar amounts because of the pandemic?</a:t>
             </a:r>
           </a:p>
           <a:p>
@@ -873,7 +962,7 @@
                 <a:ea typeface="+mn-ea"/>
                 <a:cs typeface="+mn-cs"/>
               </a:rPr>
-              <a:t>Without the box office, studios would have to find other ways to make money, mainly digital releases so that would mean the profit margins are more important?</a:t>
+              <a:t>Without the box office, studios would have to find other ways to make money, mainly digital releases so that would mean the profit ratio is more important?</a:t>
             </a:r>
           </a:p>
           <a:p>
@@ -911,7 +1000,7 @@
                 <a:ea typeface="+mn-ea"/>
                 <a:cs typeface="+mn-cs"/>
               </a:rPr>
-              <a:t>, genre, and maybe release date?/</a:t>
+              <a:t>, genre, and maybe release date.. Well not really release date because its not relevant?</a:t>
             </a:r>
             <a:endParaRPr lang="en-US" dirty="0"/>
           </a:p>
@@ -1102,7 +1191,7 @@
     </p:spTree>
     <p:extLst>
       <p:ext uri="{BB962C8B-B14F-4D97-AF65-F5344CB8AC3E}">
-        <p14:creationId xmlns:p14="http://schemas.microsoft.com/office/powerpoint/2010/main" val="4104574399"/>
+        <p14:creationId xmlns:p14="http://schemas.microsoft.com/office/powerpoint/2010/main" val="2775200433"/>
       </p:ext>
     </p:extLst>
   </p:cSld>
@@ -1210,8 +1299,11 @@
             </a:pPr>
             <a:r>
               <a:rPr lang="en-US" dirty="0"/>
-              <a:t>Based on the prior two visualizations, we decided to take a closer look at four genres: Horror, Mystery, Romance, Drama, and Romance.</a:t>
-            </a:r>
+              <a:t>Based on the prior two visualizations, we decided to take a closer look at four genres: Horror, Mystery, Romance, Drama, and Thriller.</a:t>
+            </a:r>
+          </a:p>
+          <a:p>
+            <a:endParaRPr lang="en-US" dirty="0"/>
           </a:p>
         </p:txBody>
       </p:sp>
@@ -1241,7 +1333,7 @@
     </p:spTree>
     <p:extLst>
       <p:ext uri="{BB962C8B-B14F-4D97-AF65-F5344CB8AC3E}">
-        <p14:creationId xmlns:p14="http://schemas.microsoft.com/office/powerpoint/2010/main" val="467194562"/>
+        <p14:creationId xmlns:p14="http://schemas.microsoft.com/office/powerpoint/2010/main" val="778274776"/>
       </p:ext>
     </p:extLst>
   </p:cSld>
@@ -1314,11 +1406,51 @@
             </a:pPr>
             <a:r>
               <a:rPr lang="en-US" dirty="0"/>
-              <a:t>Further confirming our initial suspicions, our genres chosen for analysis show a low financial investment with a high return rate. </a:t>
-            </a:r>
-          </a:p>
-          <a:p>
+              <a:t>Further confirming our initial suspicions, our genres chosen for analysis show a low financial investment with a high return rate.</a:t>
+            </a:r>
+          </a:p>
+          <a:p>
+            <a:pPr marL="0" marR="0" lvl="0" indent="0" algn="l" defTabSz="914400" rtl="0" eaLnBrk="1" fontAlgn="auto" latinLnBrk="0" hangingPunct="1">
+              <a:lnSpc>
+                <a:spcPct val="100000"/>
+              </a:lnSpc>
+              <a:spcBef>
+                <a:spcPts val="0"/>
+              </a:spcBef>
+              <a:spcAft>
+                <a:spcPts val="0"/>
+              </a:spcAft>
+              <a:buClrTx/>
+              <a:buSzTx/>
+              <a:buFontTx/>
+              <a:buNone/>
+              <a:tabLst/>
+              <a:defRPr/>
+            </a:pPr>
             <a:endParaRPr lang="en-US" dirty="0"/>
+          </a:p>
+          <a:p>
+            <a:pPr marL="0" marR="0" lvl="0" indent="0" algn="l" defTabSz="914400" rtl="0" eaLnBrk="1" fontAlgn="auto" latinLnBrk="0" hangingPunct="1">
+              <a:lnSpc>
+                <a:spcPct val="100000"/>
+              </a:lnSpc>
+              <a:spcBef>
+                <a:spcPts val="0"/>
+              </a:spcBef>
+              <a:spcAft>
+                <a:spcPts val="0"/>
+              </a:spcAft>
+              <a:buClrTx/>
+              <a:buSzTx/>
+              <a:buFontTx/>
+              <a:buNone/>
+              <a:tabLst/>
+              <a:defRPr/>
+            </a:pPr>
+            <a:r>
+              <a:rPr lang="en-US" dirty="0"/>
+              <a:t>Great smooth transition into the industry</a:t>
+            </a:r>
           </a:p>
         </p:txBody>
       </p:sp>
@@ -1348,7 +1480,7 @@
     </p:spTree>
     <p:extLst>
       <p:ext uri="{BB962C8B-B14F-4D97-AF65-F5344CB8AC3E}">
-        <p14:creationId xmlns:p14="http://schemas.microsoft.com/office/powerpoint/2010/main" val="3677266673"/>
+        <p14:creationId xmlns:p14="http://schemas.microsoft.com/office/powerpoint/2010/main" val="2667560247"/>
       </p:ext>
     </p:extLst>
   </p:cSld>
@@ -1455,7 +1587,7 @@
     </p:spTree>
     <p:extLst>
       <p:ext uri="{BB962C8B-B14F-4D97-AF65-F5344CB8AC3E}">
-        <p14:creationId xmlns:p14="http://schemas.microsoft.com/office/powerpoint/2010/main" val="3235341498"/>
+        <p14:creationId xmlns:p14="http://schemas.microsoft.com/office/powerpoint/2010/main" val="3527400187"/>
       </p:ext>
     </p:extLst>
   </p:cSld>
@@ -1509,65 +1641,10 @@
           <a:bodyPr/>
           <a:lstStyle/>
           <a:p>
-            <a:pPr marL="285750" indent="-285750">
-              <a:buFont typeface="Arial" panose="020B0604020202020204" pitchFamily="34" charset="0"/>
-              <a:buChar char="•"/>
-            </a:pPr>
             <a:r>
               <a:rPr lang="en-US" dirty="0"/>
-              <a:t>When targeting foreign audiences, Horror/Mystery/Thriller genres give the highest return of investment.</a:t>
-            </a:r>
-          </a:p>
-          <a:p>
-            <a:pPr marL="285750" indent="-285750">
-              <a:buFont typeface="Arial" panose="020B0604020202020204" pitchFamily="34" charset="0"/>
-              <a:buChar char="•"/>
-            </a:pPr>
-            <a:r>
-              <a:rPr lang="en-US" dirty="0"/>
-              <a:t>Science Fiction, Animation, Musical, Adventure, Action genres have a higher average foreign ROI compared to domestic values.</a:t>
-            </a:r>
-          </a:p>
-          <a:p>
-            <a:pPr marL="285750" indent="-285750">
-              <a:buFont typeface="Arial" panose="020B0604020202020204" pitchFamily="34" charset="0"/>
-              <a:buChar char="•"/>
-            </a:pPr>
-            <a:r>
-              <a:rPr lang="en-US" dirty="0"/>
-              <a:t>Data excludes 2 films (ROI above 6000):</a:t>
-            </a:r>
-          </a:p>
-          <a:p>
-            <a:pPr marL="742950" lvl="1" indent="-285750">
-              <a:buFont typeface="Arial" panose="020B0604020202020204" pitchFamily="34" charset="0"/>
-              <a:buChar char="•"/>
-            </a:pPr>
-            <a:r>
-              <a:rPr lang="en-US" sz="1200" dirty="0">
-                <a:solidFill>
-                  <a:schemeClr val="bg1"/>
-                </a:solidFill>
-              </a:rPr>
-              <a:t>The Gallows (Horror)</a:t>
-            </a:r>
-          </a:p>
-          <a:p>
-            <a:pPr marL="742950" lvl="1" indent="-285750">
-              <a:buFont typeface="Arial" panose="020B0604020202020204" pitchFamily="34" charset="0"/>
-              <a:buChar char="•"/>
-            </a:pPr>
-            <a:r>
-              <a:rPr lang="en-US" sz="1200" dirty="0">
-                <a:solidFill>
-                  <a:schemeClr val="bg1"/>
-                </a:solidFill>
-              </a:rPr>
-              <a:t>The Devil Inside (Horror)</a:t>
-            </a:r>
-          </a:p>
-          <a:p>
-            <a:endParaRPr lang="en-US" dirty="0"/>
+              <a:t>Medians favor fewer genres for higher ROI</a:t>
+            </a:r>
           </a:p>
         </p:txBody>
       </p:sp>
@@ -1588,7 +1665,7 @@
           <a:p>
             <a:fld id="{573A9565-EDA8-4BD3-BA8E-0EA68CAA9CF9}" type="slidenum">
               <a:rPr lang="en-US" smtClean="0"/>
-              <a:t>10</a:t>
+              <a:t>8</a:t>
             </a:fld>
             <a:endParaRPr lang="en-US"/>
           </a:p>
@@ -1597,7 +1674,7 @@
     </p:spTree>
     <p:extLst>
       <p:ext uri="{BB962C8B-B14F-4D97-AF65-F5344CB8AC3E}">
-        <p14:creationId xmlns:p14="http://schemas.microsoft.com/office/powerpoint/2010/main" val="2601565776"/>
+        <p14:creationId xmlns:p14="http://schemas.microsoft.com/office/powerpoint/2010/main" val="2575550223"/>
       </p:ext>
     </p:extLst>
   </p:cSld>
@@ -1653,7 +1730,7 @@
           <a:p>
             <a:r>
               <a:rPr lang="en-US" dirty="0"/>
-              <a:t>Popcorn image</a:t>
+              <a:t>Higher investment does not always guarantee a bigger profit</a:t>
             </a:r>
           </a:p>
         </p:txBody>
@@ -1675,7 +1752,7 @@
           <a:p>
             <a:fld id="{573A9565-EDA8-4BD3-BA8E-0EA68CAA9CF9}" type="slidenum">
               <a:rPr lang="en-US" smtClean="0"/>
-              <a:t>12</a:t>
+              <a:t>9</a:t>
             </a:fld>
             <a:endParaRPr lang="en-US"/>
           </a:p>
@@ -1684,7 +1761,7 @@
     </p:spTree>
     <p:extLst>
       <p:ext uri="{BB962C8B-B14F-4D97-AF65-F5344CB8AC3E}">
-        <p14:creationId xmlns:p14="http://schemas.microsoft.com/office/powerpoint/2010/main" val="2973571061"/>
+        <p14:creationId xmlns:p14="http://schemas.microsoft.com/office/powerpoint/2010/main" val="1101091409"/>
       </p:ext>
     </p:extLst>
   </p:cSld>
@@ -4997,50 +5074,12 @@
           <a:chExt cx="0" cy="0"/>
         </a:xfrm>
       </p:grpSpPr>
-      <p:sp>
-        <p:nvSpPr>
-          <p:cNvPr id="3" name="Title 2">
+      <p:pic>
+        <p:nvPicPr>
+          <p:cNvPr id="5" name="Picture 4">
             <a:extLst>
               <a:ext uri="{FF2B5EF4-FFF2-40B4-BE49-F238E27FC236}">
-                <a16:creationId xmlns:a16="http://schemas.microsoft.com/office/drawing/2014/main" id="{28C5A6AF-6456-4A71-954A-5CADD1947D45}"/>
-              </a:ext>
-            </a:extLst>
-          </p:cNvPr>
-          <p:cNvSpPr>
-            <a:spLocks noGrp="1"/>
-          </p:cNvSpPr>
-          <p:nvPr>
-            <p:ph type="title"/>
-          </p:nvPr>
-        </p:nvSpPr>
-        <p:spPr>
-          <a:xfrm>
-            <a:off x="1206538" y="318304"/>
-            <a:ext cx="9778923" cy="1600200"/>
-          </a:xfrm>
-        </p:spPr>
-        <p:txBody>
-          <a:bodyPr>
-            <a:normAutofit/>
-          </a:bodyPr>
-          <a:lstStyle/>
-          <a:p>
-            <a:pPr algn="ctr"/>
-            <a:r>
-              <a:rPr lang="en-US" sz="4400" dirty="0">
-                <a:latin typeface="Bahnschrift Condensed" panose="020B0502040204020203" pitchFamily="34" charset="0"/>
-              </a:rPr>
-              <a:t>Average ROI by Genre (2010-2019)</a:t>
-            </a:r>
-          </a:p>
-        </p:txBody>
-      </p:sp>
-      <p:pic>
-        <p:nvPicPr>
-          <p:cNvPr id="4" name="Content Placeholder 6">
-            <a:extLst>
-              <a:ext uri="{FF2B5EF4-FFF2-40B4-BE49-F238E27FC236}">
-                <a16:creationId xmlns:a16="http://schemas.microsoft.com/office/drawing/2014/main" id="{FAD65112-2013-4B41-8ECC-15D0ED01F790}"/>
+                <a16:creationId xmlns:a16="http://schemas.microsoft.com/office/drawing/2014/main" id="{2651EFC9-16A5-4B71-9F5A-BAA8A513BF77}"/>
               </a:ext>
             </a:extLst>
           </p:cNvPr>
@@ -5063,18 +5102,81 @@
         </p:blipFill>
         <p:spPr>
           <a:xfrm>
-            <a:off x="3687761" y="2155968"/>
-            <a:ext cx="4816475" cy="4004475"/>
+            <a:off x="1367090" y="1664101"/>
+            <a:ext cx="9457820" cy="4624939"/>
           </a:xfrm>
           <a:prstGeom prst="rect">
             <a:avLst/>
           </a:prstGeom>
         </p:spPr>
       </p:pic>
+      <p:sp>
+        <p:nvSpPr>
+          <p:cNvPr id="6" name="Title 1">
+            <a:extLst>
+              <a:ext uri="{FF2B5EF4-FFF2-40B4-BE49-F238E27FC236}">
+                <a16:creationId xmlns:a16="http://schemas.microsoft.com/office/drawing/2014/main" id="{D3604136-9E3F-4ED0-B75D-18F4FC63F19C}"/>
+              </a:ext>
+            </a:extLst>
+          </p:cNvPr>
+          <p:cNvSpPr txBox="1">
+            <a:spLocks/>
+          </p:cNvSpPr>
+          <p:nvPr/>
+        </p:nvSpPr>
+        <p:spPr bwMode="blackWhite">
+          <a:xfrm>
+            <a:off x="2231136" y="365760"/>
+            <a:ext cx="7729728" cy="1188720"/>
+          </a:xfrm>
+          <a:prstGeom prst="rect">
+            <a:avLst/>
+          </a:prstGeom>
+          <a:solidFill>
+            <a:srgbClr val="FFFFFF"/>
+          </a:solidFill>
+          <a:ln w="38100" cap="sq">
+            <a:solidFill>
+              <a:srgbClr val="404040"/>
+            </a:solidFill>
+            <a:miter lim="800000"/>
+          </a:ln>
+        </p:spPr>
+        <p:txBody>
+          <a:bodyPr vert="horz" lIns="274320" tIns="182880" rIns="274320" bIns="182880" rtlCol="0" anchor="ctr" anchorCtr="1">
+            <a:normAutofit/>
+          </a:bodyPr>
+          <a:lstStyle>
+            <a:lvl1pPr algn="ctr" defTabSz="914400" rtl="0" eaLnBrk="1" latinLnBrk="0" hangingPunct="1">
+              <a:lnSpc>
+                <a:spcPct val="90000"/>
+              </a:lnSpc>
+              <a:spcBef>
+                <a:spcPct val="0"/>
+              </a:spcBef>
+              <a:buNone/>
+              <a:defRPr sz="3800" kern="1200" cap="all" spc="200" baseline="0">
+                <a:solidFill>
+                  <a:srgbClr val="262626"/>
+                </a:solidFill>
+                <a:latin typeface="+mj-lt"/>
+                <a:ea typeface="+mj-ea"/>
+                <a:cs typeface="+mj-cs"/>
+              </a:defRPr>
+            </a:lvl1pPr>
+          </a:lstStyle>
+          <a:p>
+            <a:r>
+              <a:rPr lang="en-US" sz="2800" dirty="0"/>
+              <a:t>Foreign VS Domestic Audiences</a:t>
+            </a:r>
+          </a:p>
+        </p:txBody>
+      </p:sp>
     </p:spTree>
     <p:extLst>
       <p:ext uri="{BB962C8B-B14F-4D97-AF65-F5344CB8AC3E}">
-        <p14:creationId xmlns:p14="http://schemas.microsoft.com/office/powerpoint/2010/main" val="3969055783"/>
+        <p14:creationId xmlns:p14="http://schemas.microsoft.com/office/powerpoint/2010/main" val="512428412"/>
       </p:ext>
     </p:extLst>
   </p:cSld>
@@ -5103,10 +5205,10 @@
       </p:grpSpPr>
       <p:sp>
         <p:nvSpPr>
-          <p:cNvPr id="2" name="Title 1">
+          <p:cNvPr id="2" name="Vertical Title 1">
             <a:extLst>
               <a:ext uri="{FF2B5EF4-FFF2-40B4-BE49-F238E27FC236}">
-                <a16:creationId xmlns:a16="http://schemas.microsoft.com/office/drawing/2014/main" id="{3FDD5E7E-0E71-4A48-BEE0-8CE9BB623DB1}"/>
+                <a16:creationId xmlns:a16="http://schemas.microsoft.com/office/drawing/2014/main" id="{9B503B68-2216-4EE0-96F6-F9C971F2168C}"/>
               </a:ext>
             </a:extLst>
           </p:cNvPr>
@@ -5114,25 +5216,66 @@
             <a:spLocks noGrp="1"/>
           </p:cNvSpPr>
           <p:nvPr>
-            <p:ph type="title"/>
-          </p:nvPr>
-        </p:nvSpPr>
-        <p:spPr/>
+            <p:ph type="title" orient="vert"/>
+          </p:nvPr>
+        </p:nvSpPr>
+        <p:spPr>
+          <a:xfrm>
+            <a:off x="9814741" y="821403"/>
+            <a:ext cx="1298608" cy="4983480"/>
+          </a:xfrm>
+        </p:spPr>
         <p:txBody>
           <a:bodyPr/>
           <a:lstStyle/>
           <a:p>
             <a:r>
               <a:rPr lang="en-US" dirty="0"/>
-              <a:t>Genre Counts and ROI</a:t>
-            </a:r>
-          </a:p>
-        </p:txBody>
-      </p:sp>
+              <a:t>Average ROI Trends</a:t>
+            </a:r>
+          </a:p>
+        </p:txBody>
+      </p:sp>
+      <p:pic>
+        <p:nvPicPr>
+          <p:cNvPr id="7" name="Picture 6">
+            <a:extLst>
+              <a:ext uri="{FF2B5EF4-FFF2-40B4-BE49-F238E27FC236}">
+                <a16:creationId xmlns:a16="http://schemas.microsoft.com/office/drawing/2014/main" id="{D03153E5-66CD-4F3F-9CA9-AD4BC120861C}"/>
+              </a:ext>
+            </a:extLst>
+          </p:cNvPr>
+          <p:cNvPicPr>
+            <a:picLocks noChangeAspect="1"/>
+          </p:cNvPicPr>
+          <p:nvPr/>
+        </p:nvPicPr>
+        <p:blipFill>
+          <a:blip r:embed="rId2">
+            <a:extLst>
+              <a:ext uri="{28A0092B-C50C-407E-A947-70E740481C1C}">
+                <a14:useLocalDpi xmlns:a14="http://schemas.microsoft.com/office/drawing/2010/main" val="0"/>
+              </a:ext>
+            </a:extLst>
+          </a:blip>
+          <a:stretch>
+            <a:fillRect/>
+          </a:stretch>
+        </p:blipFill>
+        <p:spPr>
+          <a:xfrm>
+            <a:off x="1078651" y="821403"/>
+            <a:ext cx="8480408" cy="4983479"/>
+          </a:xfrm>
+          <a:prstGeom prst="rect">
+            <a:avLst/>
+          </a:prstGeom>
+        </p:spPr>
+      </p:pic>
     </p:spTree>
     <p:extLst>
       <p:ext uri="{BB962C8B-B14F-4D97-AF65-F5344CB8AC3E}">
-        <p14:creationId xmlns:p14="http://schemas.microsoft.com/office/powerpoint/2010/main" val="1836354028"/>
+        <p14:creationId xmlns:p14="http://schemas.microsoft.com/office/powerpoint/2010/main" val="3522673041"/>
       </p:ext>
     </p:extLst>
   </p:cSld>
@@ -5159,100 +5302,46 @@
           <a:chExt cx="0" cy="0"/>
         </a:xfrm>
       </p:grpSpPr>
-      <p:sp>
-        <p:nvSpPr>
-          <p:cNvPr id="2" name="Title 1">
+      <p:pic>
+        <p:nvPicPr>
+          <p:cNvPr id="4" name="Picture 3">
             <a:extLst>
               <a:ext uri="{FF2B5EF4-FFF2-40B4-BE49-F238E27FC236}">
-                <a16:creationId xmlns:a16="http://schemas.microsoft.com/office/drawing/2014/main" id="{58810C8E-C8F9-4F47-96FA-D113BB517ECF}"/>
+                <a16:creationId xmlns:a16="http://schemas.microsoft.com/office/drawing/2014/main" id="{4789D4CB-A1C8-4A95-94BF-43B65BE22E4A}"/>
               </a:ext>
             </a:extLst>
           </p:cNvPr>
-          <p:cNvSpPr>
-            <a:spLocks noGrp="1"/>
-          </p:cNvSpPr>
-          <p:nvPr>
-            <p:ph type="title"/>
-          </p:nvPr>
-        </p:nvSpPr>
+          <p:cNvPicPr>
+            <a:picLocks noChangeAspect="1"/>
+          </p:cNvPicPr>
+          <p:nvPr/>
+        </p:nvPicPr>
+        <p:blipFill>
+          <a:blip r:embed="rId2">
+            <a:extLst>
+              <a:ext uri="{28A0092B-C50C-407E-A947-70E740481C1C}">
+                <a14:useLocalDpi xmlns:a14="http://schemas.microsoft.com/office/drawing/2010/main" val="0"/>
+              </a:ext>
+            </a:extLst>
+          </a:blip>
+          <a:stretch>
+            <a:fillRect/>
+          </a:stretch>
+        </p:blipFill>
         <p:spPr>
           <a:xfrm>
-            <a:off x="1224138" y="523613"/>
-            <a:ext cx="9960864" cy="1188720"/>
+            <a:off x="0" y="0"/>
+            <a:ext cx="12192000" cy="6869733"/>
           </a:xfrm>
+          <a:prstGeom prst="rect">
+            <a:avLst/>
+          </a:prstGeom>
         </p:spPr>
-        <p:txBody>
-          <a:bodyPr>
-            <a:normAutofit fontScale="90000"/>
-          </a:bodyPr>
-          <a:lstStyle/>
-          <a:p>
-            <a:r>
-              <a:rPr lang="en-US" sz="6000" dirty="0">
-                <a:latin typeface="Bahnschrift Condensed" panose="020B0502040204020203" pitchFamily="34" charset="0"/>
-              </a:rPr>
-              <a:t>Components of a high profit movie</a:t>
-            </a:r>
-          </a:p>
-        </p:txBody>
-      </p:sp>
-      <p:sp>
-        <p:nvSpPr>
-          <p:cNvPr id="3" name="Content Placeholder 2">
-            <a:extLst>
-              <a:ext uri="{FF2B5EF4-FFF2-40B4-BE49-F238E27FC236}">
-                <a16:creationId xmlns:a16="http://schemas.microsoft.com/office/drawing/2014/main" id="{6E802AEF-E309-4FD1-B7B6-5AD20D9E7556}"/>
-              </a:ext>
-            </a:extLst>
-          </p:cNvPr>
-          <p:cNvSpPr>
-            <a:spLocks noGrp="1"/>
-          </p:cNvSpPr>
-          <p:nvPr>
-            <p:ph idx="1"/>
-          </p:nvPr>
-        </p:nvSpPr>
-        <p:spPr/>
-        <p:txBody>
-          <a:bodyPr/>
-          <a:lstStyle/>
-          <a:p>
-            <a:r>
-              <a:rPr lang="en-US" dirty="0"/>
-              <a:t>ROI over time: drama, horror, mystery romance (lowest budget, highest ROI over ten years)</a:t>
-            </a:r>
-          </a:p>
-          <a:p>
-            <a:r>
-              <a:rPr lang="en-US" dirty="0"/>
-              <a:t>Foreign Audience: Horror, Animation/Domestic Audience: </a:t>
-            </a:r>
-            <a:r>
-              <a:rPr lang="en-US" dirty="0" err="1"/>
-              <a:t>aslkdjf</a:t>
-            </a:r>
-            <a:r>
-              <a:rPr lang="en-US" dirty="0"/>
-              <a:t>, </a:t>
-            </a:r>
-            <a:r>
-              <a:rPr lang="en-US" dirty="0" err="1"/>
-              <a:t>asdfjldsf,sdf</a:t>
-            </a:r>
-            <a:endParaRPr lang="en-US" dirty="0"/>
-          </a:p>
-          <a:p>
-            <a:r>
-              <a:rPr lang="en-US" dirty="0"/>
-              <a:t>Minimize the amount of genres, Action/Adventure but also trying to target specific genres: action adventure based on actual profit</a:t>
-            </a:r>
-          </a:p>
-        </p:txBody>
-      </p:sp>
+      </p:pic>
     </p:spTree>
     <p:extLst>
       <p:ext uri="{BB962C8B-B14F-4D97-AF65-F5344CB8AC3E}">
-        <p14:creationId xmlns:p14="http://schemas.microsoft.com/office/powerpoint/2010/main" val="989270017"/>
+        <p14:creationId xmlns:p14="http://schemas.microsoft.com/office/powerpoint/2010/main" val="1839437219"/>
       </p:ext>
     </p:extLst>
   </p:cSld>
@@ -5279,45 +5368,12 @@
           <a:chExt cx="0" cy="0"/>
         </a:xfrm>
       </p:grpSpPr>
-      <p:sp>
-        <p:nvSpPr>
-          <p:cNvPr id="2" name="Title 1">
+      <p:pic>
+        <p:nvPicPr>
+          <p:cNvPr id="4" name="Picture 3">
             <a:extLst>
               <a:ext uri="{FF2B5EF4-FFF2-40B4-BE49-F238E27FC236}">
-                <a16:creationId xmlns:a16="http://schemas.microsoft.com/office/drawing/2014/main" id="{58810C8E-C8F9-4F47-96FA-D113BB517ECF}"/>
-              </a:ext>
-            </a:extLst>
-          </p:cNvPr>
-          <p:cNvSpPr>
-            <a:spLocks noGrp="1"/>
-          </p:cNvSpPr>
-          <p:nvPr>
-            <p:ph type="title"/>
-          </p:nvPr>
-        </p:nvSpPr>
-        <p:spPr>
-          <a:xfrm>
-            <a:off x="2231135" y="287610"/>
-            <a:ext cx="7729728" cy="1188720"/>
-          </a:xfrm>
-        </p:spPr>
-        <p:txBody>
-          <a:bodyPr/>
-          <a:lstStyle/>
-          <a:p>
-            <a:r>
-              <a:rPr lang="en-US" dirty="0"/>
-              <a:t>Further Exploration</a:t>
-            </a:r>
-          </a:p>
-        </p:txBody>
-      </p:sp>
-      <p:pic>
-        <p:nvPicPr>
-          <p:cNvPr id="5" name="Picture 4">
-            <a:extLst>
-              <a:ext uri="{FF2B5EF4-FFF2-40B4-BE49-F238E27FC236}">
-                <a16:creationId xmlns:a16="http://schemas.microsoft.com/office/drawing/2014/main" id="{D30FDEC8-AEA2-4A4D-B638-4E93BF4B5383}"/>
+                <a16:creationId xmlns:a16="http://schemas.microsoft.com/office/drawing/2014/main" id="{A66139CC-A52E-44D2-821E-87129BDF9F92}"/>
               </a:ext>
             </a:extLst>
           </p:cNvPr>
@@ -5340,8 +5396,8 @@
         </p:blipFill>
         <p:spPr>
           <a:xfrm>
-            <a:off x="3496477" y="1848213"/>
-            <a:ext cx="5199043" cy="4317063"/>
+            <a:off x="-93306" y="0"/>
+            <a:ext cx="12192000" cy="6857999"/>
           </a:xfrm>
           <a:prstGeom prst="rect">
             <a:avLst/>
@@ -5351,7 +5407,7 @@
     </p:spTree>
     <p:extLst>
       <p:ext uri="{BB962C8B-B14F-4D97-AF65-F5344CB8AC3E}">
-        <p14:creationId xmlns:p14="http://schemas.microsoft.com/office/powerpoint/2010/main" val="1660287965"/>
+        <p14:creationId xmlns:p14="http://schemas.microsoft.com/office/powerpoint/2010/main" val="2885249570"/>
       </p:ext>
     </p:extLst>
   </p:cSld>
@@ -5362,6 +5418,1415 @@
 </file>
 
 <file path=ppt/slides/slide14.xml><?xml version="1.0" encoding="utf-8"?>
+<p:sld xmlns:a="http://schemas.openxmlformats.org/drawingml/2006/main" xmlns:r="http://schemas.openxmlformats.org/officeDocument/2006/relationships" xmlns:p="http://schemas.openxmlformats.org/presentationml/2006/main">
+  <p:cSld>
+    <p:spTree>
+      <p:nvGrpSpPr>
+        <p:cNvPr id="1" name=""/>
+        <p:cNvGrpSpPr/>
+        <p:nvPr/>
+      </p:nvGrpSpPr>
+      <p:grpSpPr>
+        <a:xfrm>
+          <a:off x="0" y="0"/>
+          <a:ext cx="0" cy="0"/>
+          <a:chOff x="0" y="0"/>
+          <a:chExt cx="0" cy="0"/>
+        </a:xfrm>
+      </p:grpSpPr>
+      <p:sp>
+        <p:nvSpPr>
+          <p:cNvPr id="2" name="Title 1">
+            <a:extLst>
+              <a:ext uri="{FF2B5EF4-FFF2-40B4-BE49-F238E27FC236}">
+                <a16:creationId xmlns:a16="http://schemas.microsoft.com/office/drawing/2014/main" id="{E3AD9CEC-A303-4937-83CC-51A2EB484BD1}"/>
+              </a:ext>
+            </a:extLst>
+          </p:cNvPr>
+          <p:cNvSpPr>
+            <a:spLocks noGrp="1"/>
+          </p:cNvSpPr>
+          <p:nvPr>
+            <p:ph type="title"/>
+          </p:nvPr>
+        </p:nvSpPr>
+        <p:spPr/>
+        <p:txBody>
+          <a:bodyPr>
+            <a:normAutofit/>
+          </a:bodyPr>
+          <a:lstStyle/>
+          <a:p>
+            <a:r>
+              <a:rPr lang="en-US" dirty="0"/>
+              <a:t>Components of profitable movies</a:t>
+            </a:r>
+          </a:p>
+        </p:txBody>
+      </p:sp>
+      <p:sp>
+        <p:nvSpPr>
+          <p:cNvPr id="4" name="Text Placeholder 3">
+            <a:extLst>
+              <a:ext uri="{FF2B5EF4-FFF2-40B4-BE49-F238E27FC236}">
+                <a16:creationId xmlns:a16="http://schemas.microsoft.com/office/drawing/2014/main" id="{E98926DB-B823-45DA-B00F-E4F2BD13E1AE}"/>
+              </a:ext>
+            </a:extLst>
+          </p:cNvPr>
+          <p:cNvSpPr>
+            <a:spLocks noGrp="1"/>
+          </p:cNvSpPr>
+          <p:nvPr>
+            <p:ph type="body" sz="half" idx="2"/>
+          </p:nvPr>
+        </p:nvSpPr>
+        <p:spPr/>
+        <p:txBody>
+          <a:bodyPr/>
+          <a:lstStyle/>
+          <a:p>
+            <a:r>
+              <a:rPr lang="en-US" dirty="0"/>
+              <a:t>Invest in low budget but consistently high ROI genres: Drama, Horror, Mystery, Thriller</a:t>
+            </a:r>
+          </a:p>
+          <a:p>
+            <a:r>
+              <a:rPr lang="en-US" dirty="0"/>
+              <a:t>Keep the genre count low.</a:t>
+            </a:r>
+          </a:p>
+          <a:p>
+            <a:r>
+              <a:rPr lang="en-US" dirty="0"/>
+              <a:t>Follow trends based upon target audience.</a:t>
+            </a:r>
+          </a:p>
+        </p:txBody>
+      </p:sp>
+      <p:pic>
+        <p:nvPicPr>
+          <p:cNvPr id="6" name="Picture 5">
+            <a:extLst>
+              <a:ext uri="{FF2B5EF4-FFF2-40B4-BE49-F238E27FC236}">
+                <a16:creationId xmlns:a16="http://schemas.microsoft.com/office/drawing/2014/main" id="{34002E8C-89E0-471B-9260-FC6E81C23369}"/>
+              </a:ext>
+            </a:extLst>
+          </p:cNvPr>
+          <p:cNvPicPr>
+            <a:picLocks noChangeAspect="1"/>
+          </p:cNvPicPr>
+          <p:nvPr/>
+        </p:nvPicPr>
+        <p:blipFill>
+          <a:blip r:embed="rId2">
+            <a:extLst>
+              <a:ext uri="{28A0092B-C50C-407E-A947-70E740481C1C}">
+                <a14:useLocalDpi xmlns:a14="http://schemas.microsoft.com/office/drawing/2010/main" val="0"/>
+              </a:ext>
+            </a:extLst>
+          </a:blip>
+          <a:stretch>
+            <a:fillRect/>
+          </a:stretch>
+        </p:blipFill>
+        <p:spPr>
+          <a:xfrm>
+            <a:off x="7424367" y="1241765"/>
+            <a:ext cx="3426407" cy="5274525"/>
+          </a:xfrm>
+          <a:prstGeom prst="rect">
+            <a:avLst/>
+          </a:prstGeom>
+        </p:spPr>
+      </p:pic>
+      <p:pic>
+        <p:nvPicPr>
+          <p:cNvPr id="8" name="Picture 7">
+            <a:extLst>
+              <a:ext uri="{FF2B5EF4-FFF2-40B4-BE49-F238E27FC236}">
+                <a16:creationId xmlns:a16="http://schemas.microsoft.com/office/drawing/2014/main" id="{D33B16ED-3E18-4E5E-BEA2-C9340D869F3B}"/>
+              </a:ext>
+            </a:extLst>
+          </p:cNvPr>
+          <p:cNvPicPr>
+            <a:picLocks noChangeAspect="1"/>
+          </p:cNvPicPr>
+          <p:nvPr/>
+        </p:nvPicPr>
+        <p:blipFill>
+          <a:blip r:embed="rId3">
+            <a:extLst>
+              <a:ext uri="{28A0092B-C50C-407E-A947-70E740481C1C}">
+                <a14:useLocalDpi xmlns:a14="http://schemas.microsoft.com/office/drawing/2010/main" val="0"/>
+              </a:ext>
+            </a:extLst>
+          </a:blip>
+          <a:stretch>
+            <a:fillRect/>
+          </a:stretch>
+        </p:blipFill>
+        <p:spPr>
+          <a:xfrm flipH="1">
+            <a:off x="4767634" y="4118928"/>
+            <a:ext cx="584437" cy="418464"/>
+          </a:xfrm>
+          <a:prstGeom prst="rect">
+            <a:avLst/>
+          </a:prstGeom>
+        </p:spPr>
+      </p:pic>
+      <p:pic>
+        <p:nvPicPr>
+          <p:cNvPr id="10" name="Picture 9">
+            <a:extLst>
+              <a:ext uri="{FF2B5EF4-FFF2-40B4-BE49-F238E27FC236}">
+                <a16:creationId xmlns:a16="http://schemas.microsoft.com/office/drawing/2014/main" id="{299CF95A-D273-49F8-816F-5E348F274107}"/>
+              </a:ext>
+            </a:extLst>
+          </p:cNvPr>
+          <p:cNvPicPr>
+            <a:picLocks noChangeAspect="1"/>
+          </p:cNvPicPr>
+          <p:nvPr/>
+        </p:nvPicPr>
+        <p:blipFill>
+          <a:blip r:embed="rId3">
+            <a:extLst>
+              <a:ext uri="{28A0092B-C50C-407E-A947-70E740481C1C}">
+                <a14:useLocalDpi xmlns:a14="http://schemas.microsoft.com/office/drawing/2010/main" val="0"/>
+              </a:ext>
+            </a:extLst>
+          </a:blip>
+          <a:stretch>
+            <a:fillRect/>
+          </a:stretch>
+        </p:blipFill>
+        <p:spPr>
+          <a:xfrm>
+            <a:off x="962364" y="4646936"/>
+            <a:ext cx="306408" cy="219392"/>
+          </a:xfrm>
+          <a:prstGeom prst="rect">
+            <a:avLst/>
+          </a:prstGeom>
+        </p:spPr>
+      </p:pic>
+      <p:pic>
+        <p:nvPicPr>
+          <p:cNvPr id="12" name="Picture 11">
+            <a:extLst>
+              <a:ext uri="{FF2B5EF4-FFF2-40B4-BE49-F238E27FC236}">
+                <a16:creationId xmlns:a16="http://schemas.microsoft.com/office/drawing/2014/main" id="{6FBD5EA5-1FE2-4B97-806D-A5F5D11429C8}"/>
+              </a:ext>
+            </a:extLst>
+          </p:cNvPr>
+          <p:cNvPicPr>
+            <a:picLocks noChangeAspect="1"/>
+          </p:cNvPicPr>
+          <p:nvPr/>
+        </p:nvPicPr>
+        <p:blipFill>
+          <a:blip r:embed="rId3">
+            <a:extLst>
+              <a:ext uri="{28A0092B-C50C-407E-A947-70E740481C1C}">
+                <a14:useLocalDpi xmlns:a14="http://schemas.microsoft.com/office/drawing/2010/main" val="0"/>
+              </a:ext>
+            </a:extLst>
+          </a:blip>
+          <a:stretch>
+            <a:fillRect/>
+          </a:stretch>
+        </p:blipFill>
+        <p:spPr>
+          <a:xfrm>
+            <a:off x="809160" y="3549918"/>
+            <a:ext cx="306408" cy="219392"/>
+          </a:xfrm>
+          <a:prstGeom prst="rect">
+            <a:avLst/>
+          </a:prstGeom>
+        </p:spPr>
+      </p:pic>
+      <p:pic>
+        <p:nvPicPr>
+          <p:cNvPr id="14" name="Picture 13">
+            <a:extLst>
+              <a:ext uri="{FF2B5EF4-FFF2-40B4-BE49-F238E27FC236}">
+                <a16:creationId xmlns:a16="http://schemas.microsoft.com/office/drawing/2014/main" id="{D5A26E18-194F-410A-A4DB-91FCA907F435}"/>
+              </a:ext>
+            </a:extLst>
+          </p:cNvPr>
+          <p:cNvPicPr>
+            <a:picLocks noChangeAspect="1"/>
+          </p:cNvPicPr>
+          <p:nvPr/>
+        </p:nvPicPr>
+        <p:blipFill>
+          <a:blip r:embed="rId4">
+            <a:extLst>
+              <a:ext uri="{28A0092B-C50C-407E-A947-70E740481C1C}">
+                <a14:useLocalDpi xmlns:a14="http://schemas.microsoft.com/office/drawing/2010/main" val="0"/>
+              </a:ext>
+            </a:extLst>
+          </a:blip>
+          <a:stretch>
+            <a:fillRect/>
+          </a:stretch>
+        </p:blipFill>
+        <p:spPr>
+          <a:xfrm rot="19112776">
+            <a:off x="6420893" y="297162"/>
+            <a:ext cx="2006945" cy="1889204"/>
+          </a:xfrm>
+          <a:prstGeom prst="rect">
+            <a:avLst/>
+          </a:prstGeom>
+        </p:spPr>
+      </p:pic>
+    </p:spTree>
+    <p:extLst>
+      <p:ext uri="{BB962C8B-B14F-4D97-AF65-F5344CB8AC3E}">
+        <p14:creationId xmlns:p14="http://schemas.microsoft.com/office/powerpoint/2010/main" val="3556761435"/>
+      </p:ext>
+    </p:extLst>
+  </p:cSld>
+  <p:clrMapOvr>
+    <a:masterClrMapping/>
+  </p:clrMapOvr>
+  <p:timing>
+    <p:tnLst>
+      <p:par>
+        <p:cTn id="1" dur="indefinite" restart="never" nodeType="tmRoot">
+          <p:childTnLst>
+            <p:seq concurrent="1" nextAc="seek">
+              <p:cTn id="2" dur="indefinite" nodeType="mainSeq">
+                <p:childTnLst>
+                  <p:par>
+                    <p:cTn id="3" fill="hold">
+                      <p:stCondLst>
+                        <p:cond delay="indefinite"/>
+                      </p:stCondLst>
+                      <p:childTnLst>
+                        <p:par>
+                          <p:cTn id="4" fill="hold">
+                            <p:stCondLst>
+                              <p:cond delay="0"/>
+                            </p:stCondLst>
+                            <p:childTnLst>
+                              <p:par>
+                                <p:cTn id="5" presetID="26" presetClass="entr" presetSubtype="0" fill="hold" nodeType="clickEffect">
+                                  <p:stCondLst>
+                                    <p:cond delay="0"/>
+                                  </p:stCondLst>
+                                  <p:childTnLst>
+                                    <p:set>
+                                      <p:cBhvr>
+                                        <p:cTn id="6" dur="1" fill="hold">
+                                          <p:stCondLst>
+                                            <p:cond delay="0"/>
+                                          </p:stCondLst>
+                                        </p:cTn>
+                                        <p:tgtEl>
+                                          <p:spTgt spid="12"/>
+                                        </p:tgtEl>
+                                        <p:attrNameLst>
+                                          <p:attrName>style.visibility</p:attrName>
+                                        </p:attrNameLst>
+                                      </p:cBhvr>
+                                      <p:to>
+                                        <p:strVal val="visible"/>
+                                      </p:to>
+                                    </p:set>
+                                    <p:animEffect transition="in" filter="wipe(down)">
+                                      <p:cBhvr>
+                                        <p:cTn id="7" dur="580">
+                                          <p:stCondLst>
+                                            <p:cond delay="0"/>
+                                          </p:stCondLst>
+                                        </p:cTn>
+                                        <p:tgtEl>
+                                          <p:spTgt spid="12"/>
+                                        </p:tgtEl>
+                                      </p:cBhvr>
+                                    </p:animEffect>
+                                    <p:anim calcmode="lin" valueType="num">
+                                      <p:cBhvr>
+                                        <p:cTn id="8" dur="1822" tmFilter="0,0; 0.14,0.36; 0.43,0.73; 0.71,0.91; 1.0,1.0">
+                                          <p:stCondLst>
+                                            <p:cond delay="0"/>
+                                          </p:stCondLst>
+                                        </p:cTn>
+                                        <p:tgtEl>
+                                          <p:spTgt spid="12"/>
+                                        </p:tgtEl>
+                                        <p:attrNameLst>
+                                          <p:attrName>ppt_x</p:attrName>
+                                        </p:attrNameLst>
+                                      </p:cBhvr>
+                                      <p:tavLst>
+                                        <p:tav tm="0">
+                                          <p:val>
+                                            <p:strVal val="#ppt_x-0.25"/>
+                                          </p:val>
+                                        </p:tav>
+                                        <p:tav tm="100000">
+                                          <p:val>
+                                            <p:strVal val="#ppt_x"/>
+                                          </p:val>
+                                        </p:tav>
+                                      </p:tavLst>
+                                    </p:anim>
+                                    <p:anim calcmode="lin" valueType="num">
+                                      <p:cBhvr>
+                                        <p:cTn id="9" dur="664" tmFilter="0.0,0.0; 0.25,0.07; 0.50,0.2; 0.75,0.467; 1.0,1.0">
+                                          <p:stCondLst>
+                                            <p:cond delay="0"/>
+                                          </p:stCondLst>
+                                        </p:cTn>
+                                        <p:tgtEl>
+                                          <p:spTgt spid="12"/>
+                                        </p:tgtEl>
+                                        <p:attrNameLst>
+                                          <p:attrName>ppt_y</p:attrName>
+                                        </p:attrNameLst>
+                                      </p:cBhvr>
+                                      <p:tavLst>
+                                        <p:tav tm="0" fmla="#ppt_y-sin(pi*$)/3">
+                                          <p:val>
+                                            <p:fltVal val="0.5"/>
+                                          </p:val>
+                                        </p:tav>
+                                        <p:tav tm="100000">
+                                          <p:val>
+                                            <p:fltVal val="1"/>
+                                          </p:val>
+                                        </p:tav>
+                                      </p:tavLst>
+                                    </p:anim>
+                                    <p:anim calcmode="lin" valueType="num">
+                                      <p:cBhvr>
+                                        <p:cTn id="10" dur="664" tmFilter="0, 0; 0.125,0.2665; 0.25,0.4; 0.375,0.465; 0.5,0.5;  0.625,0.535; 0.75,0.6; 0.875,0.7335; 1,1">
+                                          <p:stCondLst>
+                                            <p:cond delay="664"/>
+                                          </p:stCondLst>
+                                        </p:cTn>
+                                        <p:tgtEl>
+                                          <p:spTgt spid="12"/>
+                                        </p:tgtEl>
+                                        <p:attrNameLst>
+                                          <p:attrName>ppt_y</p:attrName>
+                                        </p:attrNameLst>
+                                      </p:cBhvr>
+                                      <p:tavLst>
+                                        <p:tav tm="0" fmla="#ppt_y-sin(pi*$)/9">
+                                          <p:val>
+                                            <p:fltVal val="0"/>
+                                          </p:val>
+                                        </p:tav>
+                                        <p:tav tm="100000">
+                                          <p:val>
+                                            <p:fltVal val="1"/>
+                                          </p:val>
+                                        </p:tav>
+                                      </p:tavLst>
+                                    </p:anim>
+                                    <p:anim calcmode="lin" valueType="num">
+                                      <p:cBhvr>
+                                        <p:cTn id="11" dur="332" tmFilter="0, 0; 0.125,0.2665; 0.25,0.4; 0.375,0.465; 0.5,0.5;  0.625,0.535; 0.75,0.6; 0.875,0.7335; 1,1">
+                                          <p:stCondLst>
+                                            <p:cond delay="1324"/>
+                                          </p:stCondLst>
+                                        </p:cTn>
+                                        <p:tgtEl>
+                                          <p:spTgt spid="12"/>
+                                        </p:tgtEl>
+                                        <p:attrNameLst>
+                                          <p:attrName>ppt_y</p:attrName>
+                                        </p:attrNameLst>
+                                      </p:cBhvr>
+                                      <p:tavLst>
+                                        <p:tav tm="0" fmla="#ppt_y-sin(pi*$)/27">
+                                          <p:val>
+                                            <p:fltVal val="0"/>
+                                          </p:val>
+                                        </p:tav>
+                                        <p:tav tm="100000">
+                                          <p:val>
+                                            <p:fltVal val="1"/>
+                                          </p:val>
+                                        </p:tav>
+                                      </p:tavLst>
+                                    </p:anim>
+                                    <p:anim calcmode="lin" valueType="num">
+                                      <p:cBhvr>
+                                        <p:cTn id="12" dur="164" tmFilter="0, 0; 0.125,0.2665; 0.25,0.4; 0.375,0.465; 0.5,0.5;  0.625,0.535; 0.75,0.6; 0.875,0.7335; 1,1">
+                                          <p:stCondLst>
+                                            <p:cond delay="1656"/>
+                                          </p:stCondLst>
+                                        </p:cTn>
+                                        <p:tgtEl>
+                                          <p:spTgt spid="12"/>
+                                        </p:tgtEl>
+                                        <p:attrNameLst>
+                                          <p:attrName>ppt_y</p:attrName>
+                                        </p:attrNameLst>
+                                      </p:cBhvr>
+                                      <p:tavLst>
+                                        <p:tav tm="0" fmla="#ppt_y-sin(pi*$)/81">
+                                          <p:val>
+                                            <p:fltVal val="0"/>
+                                          </p:val>
+                                        </p:tav>
+                                        <p:tav tm="100000">
+                                          <p:val>
+                                            <p:fltVal val="1"/>
+                                          </p:val>
+                                        </p:tav>
+                                      </p:tavLst>
+                                    </p:anim>
+                                    <p:animScale>
+                                      <p:cBhvr>
+                                        <p:cTn id="13" dur="26">
+                                          <p:stCondLst>
+                                            <p:cond delay="650"/>
+                                          </p:stCondLst>
+                                        </p:cTn>
+                                        <p:tgtEl>
+                                          <p:spTgt spid="12"/>
+                                        </p:tgtEl>
+                                      </p:cBhvr>
+                                      <p:to x="100000" y="60000"/>
+                                    </p:animScale>
+                                    <p:animScale>
+                                      <p:cBhvr>
+                                        <p:cTn id="14" dur="166" decel="50000">
+                                          <p:stCondLst>
+                                            <p:cond delay="676"/>
+                                          </p:stCondLst>
+                                        </p:cTn>
+                                        <p:tgtEl>
+                                          <p:spTgt spid="12"/>
+                                        </p:tgtEl>
+                                      </p:cBhvr>
+                                      <p:to x="100000" y="100000"/>
+                                    </p:animScale>
+                                    <p:animScale>
+                                      <p:cBhvr>
+                                        <p:cTn id="15" dur="26">
+                                          <p:stCondLst>
+                                            <p:cond delay="1312"/>
+                                          </p:stCondLst>
+                                        </p:cTn>
+                                        <p:tgtEl>
+                                          <p:spTgt spid="12"/>
+                                        </p:tgtEl>
+                                      </p:cBhvr>
+                                      <p:to x="100000" y="80000"/>
+                                    </p:animScale>
+                                    <p:animScale>
+                                      <p:cBhvr>
+                                        <p:cTn id="16" dur="166" decel="50000">
+                                          <p:stCondLst>
+                                            <p:cond delay="1338"/>
+                                          </p:stCondLst>
+                                        </p:cTn>
+                                        <p:tgtEl>
+                                          <p:spTgt spid="12"/>
+                                        </p:tgtEl>
+                                      </p:cBhvr>
+                                      <p:to x="100000" y="100000"/>
+                                    </p:animScale>
+                                    <p:animScale>
+                                      <p:cBhvr>
+                                        <p:cTn id="17" dur="26">
+                                          <p:stCondLst>
+                                            <p:cond delay="1642"/>
+                                          </p:stCondLst>
+                                        </p:cTn>
+                                        <p:tgtEl>
+                                          <p:spTgt spid="12"/>
+                                        </p:tgtEl>
+                                      </p:cBhvr>
+                                      <p:to x="100000" y="90000"/>
+                                    </p:animScale>
+                                    <p:animScale>
+                                      <p:cBhvr>
+                                        <p:cTn id="18" dur="166" decel="50000">
+                                          <p:stCondLst>
+                                            <p:cond delay="1668"/>
+                                          </p:stCondLst>
+                                        </p:cTn>
+                                        <p:tgtEl>
+                                          <p:spTgt spid="12"/>
+                                        </p:tgtEl>
+                                      </p:cBhvr>
+                                      <p:to x="100000" y="100000"/>
+                                    </p:animScale>
+                                    <p:animScale>
+                                      <p:cBhvr>
+                                        <p:cTn id="19" dur="26">
+                                          <p:stCondLst>
+                                            <p:cond delay="1808"/>
+                                          </p:stCondLst>
+                                        </p:cTn>
+                                        <p:tgtEl>
+                                          <p:spTgt spid="12"/>
+                                        </p:tgtEl>
+                                      </p:cBhvr>
+                                      <p:to x="100000" y="95000"/>
+                                    </p:animScale>
+                                    <p:animScale>
+                                      <p:cBhvr>
+                                        <p:cTn id="20" dur="166" decel="50000">
+                                          <p:stCondLst>
+                                            <p:cond delay="1834"/>
+                                          </p:stCondLst>
+                                        </p:cTn>
+                                        <p:tgtEl>
+                                          <p:spTgt spid="12"/>
+                                        </p:tgtEl>
+                                      </p:cBhvr>
+                                      <p:to x="100000" y="100000"/>
+                                    </p:animScale>
+                                  </p:childTnLst>
+                                </p:cTn>
+                              </p:par>
+                            </p:childTnLst>
+                          </p:cTn>
+                        </p:par>
+                      </p:childTnLst>
+                    </p:cTn>
+                  </p:par>
+                  <p:par>
+                    <p:cTn id="21" fill="hold">
+                      <p:stCondLst>
+                        <p:cond delay="indefinite"/>
+                      </p:stCondLst>
+                      <p:childTnLst>
+                        <p:par>
+                          <p:cTn id="22" fill="hold">
+                            <p:stCondLst>
+                              <p:cond delay="0"/>
+                            </p:stCondLst>
+                            <p:childTnLst>
+                              <p:par>
+                                <p:cTn id="23" presetID="26" presetClass="entr" presetSubtype="0" fill="hold" nodeType="clickEffect">
+                                  <p:stCondLst>
+                                    <p:cond delay="0"/>
+                                  </p:stCondLst>
+                                  <p:childTnLst>
+                                    <p:set>
+                                      <p:cBhvr>
+                                        <p:cTn id="24" dur="1" fill="hold">
+                                          <p:stCondLst>
+                                            <p:cond delay="0"/>
+                                          </p:stCondLst>
+                                        </p:cTn>
+                                        <p:tgtEl>
+                                          <p:spTgt spid="8"/>
+                                        </p:tgtEl>
+                                        <p:attrNameLst>
+                                          <p:attrName>style.visibility</p:attrName>
+                                        </p:attrNameLst>
+                                      </p:cBhvr>
+                                      <p:to>
+                                        <p:strVal val="visible"/>
+                                      </p:to>
+                                    </p:set>
+                                    <p:animEffect transition="in" filter="wipe(down)">
+                                      <p:cBhvr>
+                                        <p:cTn id="25" dur="580">
+                                          <p:stCondLst>
+                                            <p:cond delay="0"/>
+                                          </p:stCondLst>
+                                        </p:cTn>
+                                        <p:tgtEl>
+                                          <p:spTgt spid="8"/>
+                                        </p:tgtEl>
+                                      </p:cBhvr>
+                                    </p:animEffect>
+                                    <p:anim calcmode="lin" valueType="num">
+                                      <p:cBhvr>
+                                        <p:cTn id="26" dur="1822" tmFilter="0,0; 0.14,0.36; 0.43,0.73; 0.71,0.91; 1.0,1.0">
+                                          <p:stCondLst>
+                                            <p:cond delay="0"/>
+                                          </p:stCondLst>
+                                        </p:cTn>
+                                        <p:tgtEl>
+                                          <p:spTgt spid="8"/>
+                                        </p:tgtEl>
+                                        <p:attrNameLst>
+                                          <p:attrName>ppt_x</p:attrName>
+                                        </p:attrNameLst>
+                                      </p:cBhvr>
+                                      <p:tavLst>
+                                        <p:tav tm="0">
+                                          <p:val>
+                                            <p:strVal val="#ppt_x-0.25"/>
+                                          </p:val>
+                                        </p:tav>
+                                        <p:tav tm="100000">
+                                          <p:val>
+                                            <p:strVal val="#ppt_x"/>
+                                          </p:val>
+                                        </p:tav>
+                                      </p:tavLst>
+                                    </p:anim>
+                                    <p:anim calcmode="lin" valueType="num">
+                                      <p:cBhvr>
+                                        <p:cTn id="27" dur="664" tmFilter="0.0,0.0; 0.25,0.07; 0.50,0.2; 0.75,0.467; 1.0,1.0">
+                                          <p:stCondLst>
+                                            <p:cond delay="0"/>
+                                          </p:stCondLst>
+                                        </p:cTn>
+                                        <p:tgtEl>
+                                          <p:spTgt spid="8"/>
+                                        </p:tgtEl>
+                                        <p:attrNameLst>
+                                          <p:attrName>ppt_y</p:attrName>
+                                        </p:attrNameLst>
+                                      </p:cBhvr>
+                                      <p:tavLst>
+                                        <p:tav tm="0" fmla="#ppt_y-sin(pi*$)/3">
+                                          <p:val>
+                                            <p:fltVal val="0.5"/>
+                                          </p:val>
+                                        </p:tav>
+                                        <p:tav tm="100000">
+                                          <p:val>
+                                            <p:fltVal val="1"/>
+                                          </p:val>
+                                        </p:tav>
+                                      </p:tavLst>
+                                    </p:anim>
+                                    <p:anim calcmode="lin" valueType="num">
+                                      <p:cBhvr>
+                                        <p:cTn id="28" dur="664" tmFilter="0, 0; 0.125,0.2665; 0.25,0.4; 0.375,0.465; 0.5,0.5;  0.625,0.535; 0.75,0.6; 0.875,0.7335; 1,1">
+                                          <p:stCondLst>
+                                            <p:cond delay="664"/>
+                                          </p:stCondLst>
+                                        </p:cTn>
+                                        <p:tgtEl>
+                                          <p:spTgt spid="8"/>
+                                        </p:tgtEl>
+                                        <p:attrNameLst>
+                                          <p:attrName>ppt_y</p:attrName>
+                                        </p:attrNameLst>
+                                      </p:cBhvr>
+                                      <p:tavLst>
+                                        <p:tav tm="0" fmla="#ppt_y-sin(pi*$)/9">
+                                          <p:val>
+                                            <p:fltVal val="0"/>
+                                          </p:val>
+                                        </p:tav>
+                                        <p:tav tm="100000">
+                                          <p:val>
+                                            <p:fltVal val="1"/>
+                                          </p:val>
+                                        </p:tav>
+                                      </p:tavLst>
+                                    </p:anim>
+                                    <p:anim calcmode="lin" valueType="num">
+                                      <p:cBhvr>
+                                        <p:cTn id="29" dur="332" tmFilter="0, 0; 0.125,0.2665; 0.25,0.4; 0.375,0.465; 0.5,0.5;  0.625,0.535; 0.75,0.6; 0.875,0.7335; 1,1">
+                                          <p:stCondLst>
+                                            <p:cond delay="1324"/>
+                                          </p:stCondLst>
+                                        </p:cTn>
+                                        <p:tgtEl>
+                                          <p:spTgt spid="8"/>
+                                        </p:tgtEl>
+                                        <p:attrNameLst>
+                                          <p:attrName>ppt_y</p:attrName>
+                                        </p:attrNameLst>
+                                      </p:cBhvr>
+                                      <p:tavLst>
+                                        <p:tav tm="0" fmla="#ppt_y-sin(pi*$)/27">
+                                          <p:val>
+                                            <p:fltVal val="0"/>
+                                          </p:val>
+                                        </p:tav>
+                                        <p:tav tm="100000">
+                                          <p:val>
+                                            <p:fltVal val="1"/>
+                                          </p:val>
+                                        </p:tav>
+                                      </p:tavLst>
+                                    </p:anim>
+                                    <p:anim calcmode="lin" valueType="num">
+                                      <p:cBhvr>
+                                        <p:cTn id="30" dur="164" tmFilter="0, 0; 0.125,0.2665; 0.25,0.4; 0.375,0.465; 0.5,0.5;  0.625,0.535; 0.75,0.6; 0.875,0.7335; 1,1">
+                                          <p:stCondLst>
+                                            <p:cond delay="1656"/>
+                                          </p:stCondLst>
+                                        </p:cTn>
+                                        <p:tgtEl>
+                                          <p:spTgt spid="8"/>
+                                        </p:tgtEl>
+                                        <p:attrNameLst>
+                                          <p:attrName>ppt_y</p:attrName>
+                                        </p:attrNameLst>
+                                      </p:cBhvr>
+                                      <p:tavLst>
+                                        <p:tav tm="0" fmla="#ppt_y-sin(pi*$)/81">
+                                          <p:val>
+                                            <p:fltVal val="0"/>
+                                          </p:val>
+                                        </p:tav>
+                                        <p:tav tm="100000">
+                                          <p:val>
+                                            <p:fltVal val="1"/>
+                                          </p:val>
+                                        </p:tav>
+                                      </p:tavLst>
+                                    </p:anim>
+                                    <p:animScale>
+                                      <p:cBhvr>
+                                        <p:cTn id="31" dur="26">
+                                          <p:stCondLst>
+                                            <p:cond delay="650"/>
+                                          </p:stCondLst>
+                                        </p:cTn>
+                                        <p:tgtEl>
+                                          <p:spTgt spid="8"/>
+                                        </p:tgtEl>
+                                      </p:cBhvr>
+                                      <p:to x="100000" y="60000"/>
+                                    </p:animScale>
+                                    <p:animScale>
+                                      <p:cBhvr>
+                                        <p:cTn id="32" dur="166" decel="50000">
+                                          <p:stCondLst>
+                                            <p:cond delay="676"/>
+                                          </p:stCondLst>
+                                        </p:cTn>
+                                        <p:tgtEl>
+                                          <p:spTgt spid="8"/>
+                                        </p:tgtEl>
+                                      </p:cBhvr>
+                                      <p:to x="100000" y="100000"/>
+                                    </p:animScale>
+                                    <p:animScale>
+                                      <p:cBhvr>
+                                        <p:cTn id="33" dur="26">
+                                          <p:stCondLst>
+                                            <p:cond delay="1312"/>
+                                          </p:stCondLst>
+                                        </p:cTn>
+                                        <p:tgtEl>
+                                          <p:spTgt spid="8"/>
+                                        </p:tgtEl>
+                                      </p:cBhvr>
+                                      <p:to x="100000" y="80000"/>
+                                    </p:animScale>
+                                    <p:animScale>
+                                      <p:cBhvr>
+                                        <p:cTn id="34" dur="166" decel="50000">
+                                          <p:stCondLst>
+                                            <p:cond delay="1338"/>
+                                          </p:stCondLst>
+                                        </p:cTn>
+                                        <p:tgtEl>
+                                          <p:spTgt spid="8"/>
+                                        </p:tgtEl>
+                                      </p:cBhvr>
+                                      <p:to x="100000" y="100000"/>
+                                    </p:animScale>
+                                    <p:animScale>
+                                      <p:cBhvr>
+                                        <p:cTn id="35" dur="26">
+                                          <p:stCondLst>
+                                            <p:cond delay="1642"/>
+                                          </p:stCondLst>
+                                        </p:cTn>
+                                        <p:tgtEl>
+                                          <p:spTgt spid="8"/>
+                                        </p:tgtEl>
+                                      </p:cBhvr>
+                                      <p:to x="100000" y="90000"/>
+                                    </p:animScale>
+                                    <p:animScale>
+                                      <p:cBhvr>
+                                        <p:cTn id="36" dur="166" decel="50000">
+                                          <p:stCondLst>
+                                            <p:cond delay="1668"/>
+                                          </p:stCondLst>
+                                        </p:cTn>
+                                        <p:tgtEl>
+                                          <p:spTgt spid="8"/>
+                                        </p:tgtEl>
+                                      </p:cBhvr>
+                                      <p:to x="100000" y="100000"/>
+                                    </p:animScale>
+                                    <p:animScale>
+                                      <p:cBhvr>
+                                        <p:cTn id="37" dur="26">
+                                          <p:stCondLst>
+                                            <p:cond delay="1808"/>
+                                          </p:stCondLst>
+                                        </p:cTn>
+                                        <p:tgtEl>
+                                          <p:spTgt spid="8"/>
+                                        </p:tgtEl>
+                                      </p:cBhvr>
+                                      <p:to x="100000" y="95000"/>
+                                    </p:animScale>
+                                    <p:animScale>
+                                      <p:cBhvr>
+                                        <p:cTn id="38" dur="166" decel="50000">
+                                          <p:stCondLst>
+                                            <p:cond delay="1834"/>
+                                          </p:stCondLst>
+                                        </p:cTn>
+                                        <p:tgtEl>
+                                          <p:spTgt spid="8"/>
+                                        </p:tgtEl>
+                                      </p:cBhvr>
+                                      <p:to x="100000" y="100000"/>
+                                    </p:animScale>
+                                  </p:childTnLst>
+                                </p:cTn>
+                              </p:par>
+                            </p:childTnLst>
+                          </p:cTn>
+                        </p:par>
+                      </p:childTnLst>
+                    </p:cTn>
+                  </p:par>
+                  <p:par>
+                    <p:cTn id="39" fill="hold">
+                      <p:stCondLst>
+                        <p:cond delay="indefinite"/>
+                      </p:stCondLst>
+                      <p:childTnLst>
+                        <p:par>
+                          <p:cTn id="40" fill="hold">
+                            <p:stCondLst>
+                              <p:cond delay="0"/>
+                            </p:stCondLst>
+                            <p:childTnLst>
+                              <p:par>
+                                <p:cTn id="41" presetID="26" presetClass="entr" presetSubtype="0" fill="hold" nodeType="clickEffect">
+                                  <p:stCondLst>
+                                    <p:cond delay="0"/>
+                                  </p:stCondLst>
+                                  <p:childTnLst>
+                                    <p:set>
+                                      <p:cBhvr>
+                                        <p:cTn id="42" dur="1" fill="hold">
+                                          <p:stCondLst>
+                                            <p:cond delay="0"/>
+                                          </p:stCondLst>
+                                        </p:cTn>
+                                        <p:tgtEl>
+                                          <p:spTgt spid="10"/>
+                                        </p:tgtEl>
+                                        <p:attrNameLst>
+                                          <p:attrName>style.visibility</p:attrName>
+                                        </p:attrNameLst>
+                                      </p:cBhvr>
+                                      <p:to>
+                                        <p:strVal val="visible"/>
+                                      </p:to>
+                                    </p:set>
+                                    <p:animEffect transition="in" filter="wipe(down)">
+                                      <p:cBhvr>
+                                        <p:cTn id="43" dur="580">
+                                          <p:stCondLst>
+                                            <p:cond delay="0"/>
+                                          </p:stCondLst>
+                                        </p:cTn>
+                                        <p:tgtEl>
+                                          <p:spTgt spid="10"/>
+                                        </p:tgtEl>
+                                      </p:cBhvr>
+                                    </p:animEffect>
+                                    <p:anim calcmode="lin" valueType="num">
+                                      <p:cBhvr>
+                                        <p:cTn id="44" dur="1822" tmFilter="0,0; 0.14,0.36; 0.43,0.73; 0.71,0.91; 1.0,1.0">
+                                          <p:stCondLst>
+                                            <p:cond delay="0"/>
+                                          </p:stCondLst>
+                                        </p:cTn>
+                                        <p:tgtEl>
+                                          <p:spTgt spid="10"/>
+                                        </p:tgtEl>
+                                        <p:attrNameLst>
+                                          <p:attrName>ppt_x</p:attrName>
+                                        </p:attrNameLst>
+                                      </p:cBhvr>
+                                      <p:tavLst>
+                                        <p:tav tm="0">
+                                          <p:val>
+                                            <p:strVal val="#ppt_x-0.25"/>
+                                          </p:val>
+                                        </p:tav>
+                                        <p:tav tm="100000">
+                                          <p:val>
+                                            <p:strVal val="#ppt_x"/>
+                                          </p:val>
+                                        </p:tav>
+                                      </p:tavLst>
+                                    </p:anim>
+                                    <p:anim calcmode="lin" valueType="num">
+                                      <p:cBhvr>
+                                        <p:cTn id="45" dur="664" tmFilter="0.0,0.0; 0.25,0.07; 0.50,0.2; 0.75,0.467; 1.0,1.0">
+                                          <p:stCondLst>
+                                            <p:cond delay="0"/>
+                                          </p:stCondLst>
+                                        </p:cTn>
+                                        <p:tgtEl>
+                                          <p:spTgt spid="10"/>
+                                        </p:tgtEl>
+                                        <p:attrNameLst>
+                                          <p:attrName>ppt_y</p:attrName>
+                                        </p:attrNameLst>
+                                      </p:cBhvr>
+                                      <p:tavLst>
+                                        <p:tav tm="0" fmla="#ppt_y-sin(pi*$)/3">
+                                          <p:val>
+                                            <p:fltVal val="0.5"/>
+                                          </p:val>
+                                        </p:tav>
+                                        <p:tav tm="100000">
+                                          <p:val>
+                                            <p:fltVal val="1"/>
+                                          </p:val>
+                                        </p:tav>
+                                      </p:tavLst>
+                                    </p:anim>
+                                    <p:anim calcmode="lin" valueType="num">
+                                      <p:cBhvr>
+                                        <p:cTn id="46" dur="664" tmFilter="0, 0; 0.125,0.2665; 0.25,0.4; 0.375,0.465; 0.5,0.5;  0.625,0.535; 0.75,0.6; 0.875,0.7335; 1,1">
+                                          <p:stCondLst>
+                                            <p:cond delay="664"/>
+                                          </p:stCondLst>
+                                        </p:cTn>
+                                        <p:tgtEl>
+                                          <p:spTgt spid="10"/>
+                                        </p:tgtEl>
+                                        <p:attrNameLst>
+                                          <p:attrName>ppt_y</p:attrName>
+                                        </p:attrNameLst>
+                                      </p:cBhvr>
+                                      <p:tavLst>
+                                        <p:tav tm="0" fmla="#ppt_y-sin(pi*$)/9">
+                                          <p:val>
+                                            <p:fltVal val="0"/>
+                                          </p:val>
+                                        </p:tav>
+                                        <p:tav tm="100000">
+                                          <p:val>
+                                            <p:fltVal val="1"/>
+                                          </p:val>
+                                        </p:tav>
+                                      </p:tavLst>
+                                    </p:anim>
+                                    <p:anim calcmode="lin" valueType="num">
+                                      <p:cBhvr>
+                                        <p:cTn id="47" dur="332" tmFilter="0, 0; 0.125,0.2665; 0.25,0.4; 0.375,0.465; 0.5,0.5;  0.625,0.535; 0.75,0.6; 0.875,0.7335; 1,1">
+                                          <p:stCondLst>
+                                            <p:cond delay="1324"/>
+                                          </p:stCondLst>
+                                        </p:cTn>
+                                        <p:tgtEl>
+                                          <p:spTgt spid="10"/>
+                                        </p:tgtEl>
+                                        <p:attrNameLst>
+                                          <p:attrName>ppt_y</p:attrName>
+                                        </p:attrNameLst>
+                                      </p:cBhvr>
+                                      <p:tavLst>
+                                        <p:tav tm="0" fmla="#ppt_y-sin(pi*$)/27">
+                                          <p:val>
+                                            <p:fltVal val="0"/>
+                                          </p:val>
+                                        </p:tav>
+                                        <p:tav tm="100000">
+                                          <p:val>
+                                            <p:fltVal val="1"/>
+                                          </p:val>
+                                        </p:tav>
+                                      </p:tavLst>
+                                    </p:anim>
+                                    <p:anim calcmode="lin" valueType="num">
+                                      <p:cBhvr>
+                                        <p:cTn id="48" dur="164" tmFilter="0, 0; 0.125,0.2665; 0.25,0.4; 0.375,0.465; 0.5,0.5;  0.625,0.535; 0.75,0.6; 0.875,0.7335; 1,1">
+                                          <p:stCondLst>
+                                            <p:cond delay="1656"/>
+                                          </p:stCondLst>
+                                        </p:cTn>
+                                        <p:tgtEl>
+                                          <p:spTgt spid="10"/>
+                                        </p:tgtEl>
+                                        <p:attrNameLst>
+                                          <p:attrName>ppt_y</p:attrName>
+                                        </p:attrNameLst>
+                                      </p:cBhvr>
+                                      <p:tavLst>
+                                        <p:tav tm="0" fmla="#ppt_y-sin(pi*$)/81">
+                                          <p:val>
+                                            <p:fltVal val="0"/>
+                                          </p:val>
+                                        </p:tav>
+                                        <p:tav tm="100000">
+                                          <p:val>
+                                            <p:fltVal val="1"/>
+                                          </p:val>
+                                        </p:tav>
+                                      </p:tavLst>
+                                    </p:anim>
+                                    <p:animScale>
+                                      <p:cBhvr>
+                                        <p:cTn id="49" dur="26">
+                                          <p:stCondLst>
+                                            <p:cond delay="650"/>
+                                          </p:stCondLst>
+                                        </p:cTn>
+                                        <p:tgtEl>
+                                          <p:spTgt spid="10"/>
+                                        </p:tgtEl>
+                                      </p:cBhvr>
+                                      <p:to x="100000" y="60000"/>
+                                    </p:animScale>
+                                    <p:animScale>
+                                      <p:cBhvr>
+                                        <p:cTn id="50" dur="166" decel="50000">
+                                          <p:stCondLst>
+                                            <p:cond delay="676"/>
+                                          </p:stCondLst>
+                                        </p:cTn>
+                                        <p:tgtEl>
+                                          <p:spTgt spid="10"/>
+                                        </p:tgtEl>
+                                      </p:cBhvr>
+                                      <p:to x="100000" y="100000"/>
+                                    </p:animScale>
+                                    <p:animScale>
+                                      <p:cBhvr>
+                                        <p:cTn id="51" dur="26">
+                                          <p:stCondLst>
+                                            <p:cond delay="1312"/>
+                                          </p:stCondLst>
+                                        </p:cTn>
+                                        <p:tgtEl>
+                                          <p:spTgt spid="10"/>
+                                        </p:tgtEl>
+                                      </p:cBhvr>
+                                      <p:to x="100000" y="80000"/>
+                                    </p:animScale>
+                                    <p:animScale>
+                                      <p:cBhvr>
+                                        <p:cTn id="52" dur="166" decel="50000">
+                                          <p:stCondLst>
+                                            <p:cond delay="1338"/>
+                                          </p:stCondLst>
+                                        </p:cTn>
+                                        <p:tgtEl>
+                                          <p:spTgt spid="10"/>
+                                        </p:tgtEl>
+                                      </p:cBhvr>
+                                      <p:to x="100000" y="100000"/>
+                                    </p:animScale>
+                                    <p:animScale>
+                                      <p:cBhvr>
+                                        <p:cTn id="53" dur="26">
+                                          <p:stCondLst>
+                                            <p:cond delay="1642"/>
+                                          </p:stCondLst>
+                                        </p:cTn>
+                                        <p:tgtEl>
+                                          <p:spTgt spid="10"/>
+                                        </p:tgtEl>
+                                      </p:cBhvr>
+                                      <p:to x="100000" y="90000"/>
+                                    </p:animScale>
+                                    <p:animScale>
+                                      <p:cBhvr>
+                                        <p:cTn id="54" dur="166" decel="50000">
+                                          <p:stCondLst>
+                                            <p:cond delay="1668"/>
+                                          </p:stCondLst>
+                                        </p:cTn>
+                                        <p:tgtEl>
+                                          <p:spTgt spid="10"/>
+                                        </p:tgtEl>
+                                      </p:cBhvr>
+                                      <p:to x="100000" y="100000"/>
+                                    </p:animScale>
+                                    <p:animScale>
+                                      <p:cBhvr>
+                                        <p:cTn id="55" dur="26">
+                                          <p:stCondLst>
+                                            <p:cond delay="1808"/>
+                                          </p:stCondLst>
+                                        </p:cTn>
+                                        <p:tgtEl>
+                                          <p:spTgt spid="10"/>
+                                        </p:tgtEl>
+                                      </p:cBhvr>
+                                      <p:to x="100000" y="95000"/>
+                                    </p:animScale>
+                                    <p:animScale>
+                                      <p:cBhvr>
+                                        <p:cTn id="56" dur="166" decel="50000">
+                                          <p:stCondLst>
+                                            <p:cond delay="1834"/>
+                                          </p:stCondLst>
+                                        </p:cTn>
+                                        <p:tgtEl>
+                                          <p:spTgt spid="10"/>
+                                        </p:tgtEl>
+                                      </p:cBhvr>
+                                      <p:to x="100000" y="100000"/>
+                                    </p:animScale>
+                                  </p:childTnLst>
+                                </p:cTn>
+                              </p:par>
+                            </p:childTnLst>
+                          </p:cTn>
+                        </p:par>
+                      </p:childTnLst>
+                    </p:cTn>
+                  </p:par>
+                  <p:par>
+                    <p:cTn id="57" fill="hold">
+                      <p:stCondLst>
+                        <p:cond delay="indefinite"/>
+                      </p:stCondLst>
+                      <p:childTnLst>
+                        <p:par>
+                          <p:cTn id="58" fill="hold">
+                            <p:stCondLst>
+                              <p:cond delay="0"/>
+                            </p:stCondLst>
+                            <p:childTnLst>
+                              <p:par>
+                                <p:cTn id="59" presetID="10" presetClass="entr" presetSubtype="0" fill="hold" nodeType="clickEffect">
+                                  <p:stCondLst>
+                                    <p:cond delay="0"/>
+                                  </p:stCondLst>
+                                  <p:childTnLst>
+                                    <p:set>
+                                      <p:cBhvr>
+                                        <p:cTn id="60" dur="1" fill="hold">
+                                          <p:stCondLst>
+                                            <p:cond delay="0"/>
+                                          </p:stCondLst>
+                                        </p:cTn>
+                                        <p:tgtEl>
+                                          <p:spTgt spid="14"/>
+                                        </p:tgtEl>
+                                        <p:attrNameLst>
+                                          <p:attrName>style.visibility</p:attrName>
+                                        </p:attrNameLst>
+                                      </p:cBhvr>
+                                      <p:to>
+                                        <p:strVal val="visible"/>
+                                      </p:to>
+                                    </p:set>
+                                    <p:animEffect transition="in" filter="fade">
+                                      <p:cBhvr>
+                                        <p:cTn id="61" dur="500"/>
+                                        <p:tgtEl>
+                                          <p:spTgt spid="14"/>
+                                        </p:tgtEl>
+                                      </p:cBhvr>
+                                    </p:animEffect>
+                                  </p:childTnLst>
+                                </p:cTn>
+                              </p:par>
+                            </p:childTnLst>
+                          </p:cTn>
+                        </p:par>
+                      </p:childTnLst>
+                    </p:cTn>
+                  </p:par>
+                </p:childTnLst>
+              </p:cTn>
+              <p:prevCondLst>
+                <p:cond evt="onPrev" delay="0">
+                  <p:tgtEl>
+                    <p:sldTgt/>
+                  </p:tgtEl>
+                </p:cond>
+              </p:prevCondLst>
+              <p:nextCondLst>
+                <p:cond evt="onNext" delay="0">
+                  <p:tgtEl>
+                    <p:sldTgt/>
+                  </p:tgtEl>
+                </p:cond>
+              </p:nextCondLst>
+            </p:seq>
+          </p:childTnLst>
+        </p:cTn>
+      </p:par>
+    </p:tnLst>
+  </p:timing>
+</p:sld>
+</file>
+
+<file path=ppt/slides/slide15.xml><?xml version="1.0" encoding="utf-8"?>
+<p:sld xmlns:a="http://schemas.openxmlformats.org/drawingml/2006/main" xmlns:r="http://schemas.openxmlformats.org/officeDocument/2006/relationships" xmlns:p="http://schemas.openxmlformats.org/presentationml/2006/main">
+  <p:cSld>
+    <p:spTree>
+      <p:nvGrpSpPr>
+        <p:cNvPr id="1" name=""/>
+        <p:cNvGrpSpPr/>
+        <p:nvPr/>
+      </p:nvGrpSpPr>
+      <p:grpSpPr>
+        <a:xfrm>
+          <a:off x="0" y="0"/>
+          <a:ext cx="0" cy="0"/>
+          <a:chOff x="0" y="0"/>
+          <a:chExt cx="0" cy="0"/>
+        </a:xfrm>
+      </p:grpSpPr>
+      <p:sp>
+        <p:nvSpPr>
+          <p:cNvPr id="2" name="Title 1">
+            <a:extLst>
+              <a:ext uri="{FF2B5EF4-FFF2-40B4-BE49-F238E27FC236}">
+                <a16:creationId xmlns:a16="http://schemas.microsoft.com/office/drawing/2014/main" id="{0054A092-9DAB-47D9-BECC-63648E17BB9B}"/>
+              </a:ext>
+            </a:extLst>
+          </p:cNvPr>
+          <p:cNvSpPr>
+            <a:spLocks noGrp="1"/>
+          </p:cNvSpPr>
+          <p:nvPr>
+            <p:ph type="title"/>
+          </p:nvPr>
+        </p:nvSpPr>
+        <p:spPr/>
+        <p:txBody>
+          <a:bodyPr/>
+          <a:lstStyle/>
+          <a:p>
+            <a:r>
+              <a:rPr lang="en-US" dirty="0"/>
+              <a:t>Further Exploration</a:t>
+            </a:r>
+          </a:p>
+        </p:txBody>
+      </p:sp>
+      <p:sp>
+        <p:nvSpPr>
+          <p:cNvPr id="4" name="Text Placeholder 3">
+            <a:extLst>
+              <a:ext uri="{FF2B5EF4-FFF2-40B4-BE49-F238E27FC236}">
+                <a16:creationId xmlns:a16="http://schemas.microsoft.com/office/drawing/2014/main" id="{D4A3A701-D98E-4772-99BE-5BD53E513164}"/>
+              </a:ext>
+            </a:extLst>
+          </p:cNvPr>
+          <p:cNvSpPr>
+            <a:spLocks noGrp="1"/>
+          </p:cNvSpPr>
+          <p:nvPr>
+            <p:ph type="body" sz="half" idx="2"/>
+          </p:nvPr>
+        </p:nvSpPr>
+        <p:spPr/>
+        <p:txBody>
+          <a:bodyPr/>
+          <a:lstStyle/>
+          <a:p>
+            <a:r>
+              <a:rPr lang="en-US" dirty="0"/>
+              <a:t>Largest amounts of money made in the Action, Adventure, and Comedy Genres</a:t>
+            </a:r>
+          </a:p>
+        </p:txBody>
+      </p:sp>
+      <p:pic>
+        <p:nvPicPr>
+          <p:cNvPr id="6" name="Picture 5">
+            <a:extLst>
+              <a:ext uri="{FF2B5EF4-FFF2-40B4-BE49-F238E27FC236}">
+                <a16:creationId xmlns:a16="http://schemas.microsoft.com/office/drawing/2014/main" id="{02F0C70D-AFB0-4C9D-ACFD-4CFEAF2E8437}"/>
+              </a:ext>
+            </a:extLst>
+          </p:cNvPr>
+          <p:cNvPicPr>
+            <a:picLocks noChangeAspect="1"/>
+          </p:cNvPicPr>
+          <p:nvPr/>
+        </p:nvPicPr>
+        <p:blipFill>
+          <a:blip r:embed="rId2">
+            <a:extLst>
+              <a:ext uri="{28A0092B-C50C-407E-A947-70E740481C1C}">
+                <a14:useLocalDpi xmlns:a14="http://schemas.microsoft.com/office/drawing/2010/main" val="0"/>
+              </a:ext>
+            </a:extLst>
+          </a:blip>
+          <a:stretch>
+            <a:fillRect/>
+          </a:stretch>
+        </p:blipFill>
+        <p:spPr>
+          <a:xfrm>
+            <a:off x="6577067" y="1414227"/>
+            <a:ext cx="5255945" cy="3562186"/>
+          </a:xfrm>
+          <a:prstGeom prst="rect">
+            <a:avLst/>
+          </a:prstGeom>
+        </p:spPr>
+      </p:pic>
+      <p:sp>
+        <p:nvSpPr>
+          <p:cNvPr id="7" name="TextBox 6">
+            <a:extLst>
+              <a:ext uri="{FF2B5EF4-FFF2-40B4-BE49-F238E27FC236}">
+                <a16:creationId xmlns:a16="http://schemas.microsoft.com/office/drawing/2014/main" id="{47C9DA91-279A-4794-91EF-5DDED0B41451}"/>
+              </a:ext>
+            </a:extLst>
+          </p:cNvPr>
+          <p:cNvSpPr txBox="1"/>
+          <p:nvPr/>
+        </p:nvSpPr>
+        <p:spPr>
+          <a:xfrm>
+            <a:off x="7142480" y="5120607"/>
+            <a:ext cx="4297680" cy="523220"/>
+          </a:xfrm>
+          <a:prstGeom prst="rect">
+            <a:avLst/>
+          </a:prstGeom>
+          <a:noFill/>
+        </p:spPr>
+        <p:txBody>
+          <a:bodyPr wrap="square" rtlCol="0">
+            <a:spAutoFit/>
+          </a:bodyPr>
+          <a:lstStyle/>
+          <a:p>
+            <a:pPr algn="ctr"/>
+            <a:r>
+              <a:rPr lang="en-US" sz="1400" dirty="0"/>
+              <a:t>The chart above displays what portion of the total box-office sales that each genre made from 2010-2019.</a:t>
+            </a:r>
+          </a:p>
+        </p:txBody>
+      </p:sp>
+    </p:spTree>
+    <p:extLst>
+      <p:ext uri="{BB962C8B-B14F-4D97-AF65-F5344CB8AC3E}">
+        <p14:creationId xmlns:p14="http://schemas.microsoft.com/office/powerpoint/2010/main" val="2510174968"/>
+      </p:ext>
+    </p:extLst>
+  </p:cSld>
+  <p:clrMapOvr>
+    <a:masterClrMapping/>
+  </p:clrMapOvr>
+</p:sld>
+</file>
+
+<file path=ppt/slides/slide16.xml><?xml version="1.0" encoding="utf-8"?>
 <p:sld xmlns:a="http://schemas.openxmlformats.org/drawingml/2006/main" xmlns:r="http://schemas.openxmlformats.org/officeDocument/2006/relationships" xmlns:p="http://schemas.openxmlformats.org/presentationml/2006/main">
   <p:cSld>
     <p:bg>
@@ -5466,7 +6931,7 @@
 </p:sld>
 </file>
 
-<file path=ppt/slides/slide15.xml><?xml version="1.0" encoding="utf-8"?>
+<file path=ppt/slides/slide17.xml><?xml version="1.0" encoding="utf-8"?>
 <p:sld xmlns:a="http://schemas.openxmlformats.org/drawingml/2006/main" xmlns:r="http://schemas.openxmlformats.org/officeDocument/2006/relationships" xmlns:p="http://schemas.openxmlformats.org/presentationml/2006/main">
   <p:cSld>
     <p:spTree>
@@ -5985,7 +7450,7 @@
         </p:nvSpPr>
         <p:spPr>
           <a:xfrm>
-            <a:off x="737190" y="5719761"/>
+            <a:off x="737190" y="5794654"/>
             <a:ext cx="10717616" cy="1466249"/>
           </a:xfrm>
           <a:prstGeom prst="rect">
@@ -6209,7 +7674,7 @@
               <a:buNone/>
             </a:pPr>
             <a:r>
-              <a:rPr lang="en-US" sz="7200" b="1" dirty="0">
+              <a:rPr lang="en-US" sz="6600" b="1" dirty="0">
                 <a:solidFill>
                   <a:srgbClr val="FFFF00"/>
                 </a:solidFill>
@@ -6222,7 +7687,7 @@
                 </a:effectLst>
                 <a:latin typeface="Ink Free" panose="03080402000500000000" pitchFamily="66" charset="0"/>
               </a:rPr>
-              <a:t>Goal: Big Profit Margin</a:t>
+              <a:t>Goal: Maximize Investment</a:t>
             </a:r>
           </a:p>
         </p:txBody>
@@ -6988,10 +8453,10 @@
       </p:grpSpPr>
       <p:sp>
         <p:nvSpPr>
-          <p:cNvPr id="3" name="Title 1">
+          <p:cNvPr id="4" name="Title 1">
             <a:extLst>
               <a:ext uri="{FF2B5EF4-FFF2-40B4-BE49-F238E27FC236}">
-                <a16:creationId xmlns:a16="http://schemas.microsoft.com/office/drawing/2014/main" id="{836C21EE-4201-4B0A-AAC3-E98334F7F9E3}"/>
+                <a16:creationId xmlns:a16="http://schemas.microsoft.com/office/drawing/2014/main" id="{BB241156-F426-40AD-865C-8C3FE7A8AA0E}"/>
               </a:ext>
             </a:extLst>
           </p:cNvPr>
@@ -7000,10 +8465,10 @@
           </p:cNvSpPr>
           <p:nvPr/>
         </p:nvSpPr>
-        <p:spPr bwMode="black">
+        <p:spPr bwMode="blackWhite">
           <a:xfrm>
-            <a:off x="2729710" y="401836"/>
-            <a:ext cx="6732580" cy="1141497"/>
+            <a:off x="2231136" y="964692"/>
+            <a:ext cx="7729728" cy="1188720"/>
           </a:xfrm>
           <a:prstGeom prst="rect">
             <a:avLst/>
@@ -7011,7 +8476,7 @@
           <a:solidFill>
             <a:srgbClr val="FFFFFF"/>
           </a:solidFill>
-          <a:ln w="31750" cap="sq">
+          <a:ln w="38100" cap="sq">
             <a:solidFill>
               <a:srgbClr val="404040"/>
             </a:solidFill>
@@ -7019,7 +8484,7 @@
           </a:ln>
         </p:spPr>
         <p:txBody>
-          <a:bodyPr vert="horz" lIns="182880" tIns="182880" rIns="182880" bIns="182880" rtlCol="0" anchor="ctr">
+          <a:bodyPr vert="horz" lIns="274320" tIns="182880" rIns="274320" bIns="182880" rtlCol="0" anchor="ctr" anchorCtr="1">
             <a:normAutofit/>
           </a:bodyPr>
           <a:lstStyle>
@@ -7031,7 +8496,7 @@
                 <a:spcPct val="0"/>
               </a:spcBef>
               <a:buNone/>
-              <a:defRPr sz="2800" kern="1200" cap="all" spc="200" baseline="0">
+              <a:defRPr sz="3800" kern="1200" cap="all" spc="200" baseline="0">
                 <a:solidFill>
                   <a:srgbClr val="262626"/>
                 </a:solidFill>
@@ -7043,23 +8508,18 @@
           </a:lstStyle>
           <a:p>
             <a:r>
-              <a:rPr lang="en-US" sz="4000">
-                <a:latin typeface="Bahnschrift Condensed" panose="020B0502040204020203" pitchFamily="34" charset="0"/>
-              </a:rPr>
-              <a:t>Overview of ROI per GEnre</a:t>
-            </a:r>
-            <a:endParaRPr lang="en-US" sz="4000" dirty="0">
-              <a:latin typeface="Bahnschrift Condensed" panose="020B0502040204020203" pitchFamily="34" charset="0"/>
-            </a:endParaRPr>
+              <a:rPr lang="en-US" sz="2800" dirty="0"/>
+              <a:t>Overview of ROI per Genre</a:t>
+            </a:r>
           </a:p>
         </p:txBody>
       </p:sp>
       <p:pic>
         <p:nvPicPr>
-          <p:cNvPr id="5" name="ROI:Genre.png" descr="ROI:Genre.png">
+          <p:cNvPr id="6" name="ROI:Genre.png" descr="ROI:Genre.png">
             <a:extLst>
               <a:ext uri="{FF2B5EF4-FFF2-40B4-BE49-F238E27FC236}">
-                <a16:creationId xmlns:a16="http://schemas.microsoft.com/office/drawing/2014/main" id="{C4FE4931-D381-475E-AE79-84C975CD42EA}"/>
+                <a16:creationId xmlns:a16="http://schemas.microsoft.com/office/drawing/2014/main" id="{76D50CDF-A934-4C7F-B0F3-0F4C5E392982}"/>
               </a:ext>
             </a:extLst>
           </p:cNvPr>
@@ -7076,8 +8536,8 @@
         </p:blipFill>
         <p:spPr>
           <a:xfrm>
-            <a:off x="2141315" y="1679496"/>
-            <a:ext cx="7599249" cy="4906883"/>
+            <a:off x="2946400" y="2290930"/>
+            <a:ext cx="6299200" cy="4067433"/>
           </a:xfrm>
           <a:prstGeom prst="rect">
             <a:avLst/>
@@ -7090,7 +8550,7 @@
     </p:spTree>
     <p:extLst>
       <p:ext uri="{BB962C8B-B14F-4D97-AF65-F5344CB8AC3E}">
-        <p14:creationId xmlns:p14="http://schemas.microsoft.com/office/powerpoint/2010/main" val="2286600101"/>
+        <p14:creationId xmlns:p14="http://schemas.microsoft.com/office/powerpoint/2010/main" val="3593618460"/>
       </p:ext>
     </p:extLst>
   </p:cSld>
@@ -7119,10 +8579,10 @@
       </p:grpSpPr>
       <p:sp>
         <p:nvSpPr>
-          <p:cNvPr id="3" name="Title 1">
+          <p:cNvPr id="2" name="Title 1">
             <a:extLst>
               <a:ext uri="{FF2B5EF4-FFF2-40B4-BE49-F238E27FC236}">
-                <a16:creationId xmlns:a16="http://schemas.microsoft.com/office/drawing/2014/main" id="{BC7ACD6A-8040-4694-9D2E-4EF2C9C1B2D9}"/>
+                <a16:creationId xmlns:a16="http://schemas.microsoft.com/office/drawing/2014/main" id="{C518ADC7-B6B8-4C86-9F2E-18ED35F661DB}"/>
               </a:ext>
             </a:extLst>
           </p:cNvPr>
@@ -7133,31 +8593,31 @@
             <p:ph type="title"/>
           </p:nvPr>
         </p:nvSpPr>
-        <p:spPr>
-          <a:xfrm>
-            <a:off x="2023117" y="176049"/>
-            <a:ext cx="8187893" cy="1141497"/>
-          </a:xfrm>
-        </p:spPr>
+        <p:spPr/>
         <p:txBody>
           <a:bodyPr>
-            <a:normAutofit/>
+            <a:noAutofit/>
           </a:bodyPr>
           <a:lstStyle/>
           <a:p>
             <a:r>
-              <a:rPr lang="en-US" sz="2800" dirty="0"/>
-              <a:t>Further Breakdown of ROI GENRE</a:t>
-            </a:r>
+              <a:rPr lang="en-US" dirty="0"/>
+              <a:t>Further Breakdown of ROI/</a:t>
+            </a:r>
+            <a:r>
+              <a:rPr lang="en-US" dirty="0" err="1"/>
+              <a:t>GEnre</a:t>
+            </a:r>
+            <a:endParaRPr lang="en-US" dirty="0"/>
           </a:p>
         </p:txBody>
       </p:sp>
       <p:pic>
         <p:nvPicPr>
-          <p:cNvPr id="5" name="Reoriented distribution of genre.png" descr="Reoriented distribution of genre.png">
+          <p:cNvPr id="5" name="Picture 4">
             <a:extLst>
               <a:ext uri="{FF2B5EF4-FFF2-40B4-BE49-F238E27FC236}">
-                <a16:creationId xmlns:a16="http://schemas.microsoft.com/office/drawing/2014/main" id="{88D44243-3782-46FD-A8E1-ACEC9DAACFE5}"/>
+                <a16:creationId xmlns:a16="http://schemas.microsoft.com/office/drawing/2014/main" id="{9E0C63B8-1031-4F43-867B-6FD9E03E9C2B}"/>
               </a:ext>
             </a:extLst>
           </p:cNvPr>
@@ -7167,28 +8627,31 @@
           <p:nvPr/>
         </p:nvPicPr>
         <p:blipFill>
-          <a:blip r:embed="rId3"/>
+          <a:blip r:embed="rId3">
+            <a:extLst>
+              <a:ext uri="{28A0092B-C50C-407E-A947-70E740481C1C}">
+                <a14:useLocalDpi xmlns:a14="http://schemas.microsoft.com/office/drawing/2010/main" val="0"/>
+              </a:ext>
+            </a:extLst>
+          </a:blip>
           <a:stretch>
             <a:fillRect/>
           </a:stretch>
         </p:blipFill>
         <p:spPr>
           <a:xfrm>
-            <a:off x="1157697" y="1454003"/>
-            <a:ext cx="9918735" cy="5108842"/>
+            <a:off x="2635858" y="2333243"/>
+            <a:ext cx="6920283" cy="3711958"/>
           </a:xfrm>
           <a:prstGeom prst="rect">
             <a:avLst/>
           </a:prstGeom>
-          <a:ln w="12700">
-            <a:miter lim="400000"/>
-          </a:ln>
         </p:spPr>
       </p:pic>
     </p:spTree>
     <p:extLst>
       <p:ext uri="{BB962C8B-B14F-4D97-AF65-F5344CB8AC3E}">
-        <p14:creationId xmlns:p14="http://schemas.microsoft.com/office/powerpoint/2010/main" val="180458477"/>
+        <p14:creationId xmlns:p14="http://schemas.microsoft.com/office/powerpoint/2010/main" val="3823661846"/>
       </p:ext>
     </p:extLst>
   </p:cSld>
@@ -7217,104 +8680,122 @@
       </p:grpSpPr>
       <p:sp>
         <p:nvSpPr>
-          <p:cNvPr id="3" name="Title 1">
+          <p:cNvPr id="2" name="Title 1">
             <a:extLst>
               <a:ext uri="{FF2B5EF4-FFF2-40B4-BE49-F238E27FC236}">
-                <a16:creationId xmlns:a16="http://schemas.microsoft.com/office/drawing/2014/main" id="{29E14E77-7B58-45A0-BC85-B1CB651C71C5}"/>
+                <a16:creationId xmlns:a16="http://schemas.microsoft.com/office/drawing/2014/main" id="{4DA40B8C-15C4-4DC0-BE0C-2C241302160C}"/>
               </a:ext>
             </a:extLst>
           </p:cNvPr>
-          <p:cNvSpPr txBox="1">
-            <a:spLocks/>
-          </p:cNvSpPr>
+          <p:cNvSpPr>
+            <a:spLocks noGrp="1"/>
+          </p:cNvSpPr>
+          <p:nvPr>
+            <p:ph type="title"/>
+          </p:nvPr>
+        </p:nvSpPr>
+        <p:spPr/>
+        <p:txBody>
+          <a:bodyPr>
+            <a:normAutofit/>
+          </a:bodyPr>
+          <a:lstStyle/>
+          <a:p>
+            <a:r>
+              <a:rPr lang="en-US" dirty="0"/>
+              <a:t>Budget Breakdown</a:t>
+            </a:r>
+          </a:p>
+        </p:txBody>
+      </p:sp>
+      <p:sp>
+        <p:nvSpPr>
+          <p:cNvPr id="4" name="Text Placeholder 3">
+            <a:extLst>
+              <a:ext uri="{FF2B5EF4-FFF2-40B4-BE49-F238E27FC236}">
+                <a16:creationId xmlns:a16="http://schemas.microsoft.com/office/drawing/2014/main" id="{53CF42B4-5D86-43B6-B04C-F76B12BAB49F}"/>
+              </a:ext>
+            </a:extLst>
+          </p:cNvPr>
+          <p:cNvSpPr>
+            <a:spLocks noGrp="1"/>
+          </p:cNvSpPr>
+          <p:nvPr>
+            <p:ph type="body" sz="half" idx="2"/>
+          </p:nvPr>
+        </p:nvSpPr>
+        <p:spPr/>
+        <p:txBody>
+          <a:bodyPr/>
+          <a:lstStyle/>
+          <a:p>
+            <a:r>
+              <a:rPr lang="en-US" dirty="0"/>
+              <a:t>Focused Observation on Drama, Horror, Mystery, and Thriller Genres</a:t>
+            </a:r>
+          </a:p>
+          <a:p>
+            <a:r>
+              <a:rPr lang="en-US" dirty="0"/>
+              <a:t>Smaller budgets make for a higher ROI</a:t>
+            </a:r>
+          </a:p>
+          <a:p>
+            <a:endParaRPr lang="en-US" dirty="0"/>
+          </a:p>
+        </p:txBody>
+      </p:sp>
+      <p:pic>
+        <p:nvPicPr>
+          <p:cNvPr id="1026" name="Picture 2">
+            <a:extLst>
+              <a:ext uri="{FF2B5EF4-FFF2-40B4-BE49-F238E27FC236}">
+                <a16:creationId xmlns:a16="http://schemas.microsoft.com/office/drawing/2014/main" id="{0EEDF5C1-E59A-4DBF-A4F4-F88A1CECF1A7}"/>
+              </a:ext>
+            </a:extLst>
+          </p:cNvPr>
+          <p:cNvPicPr>
+            <a:picLocks noChangeAspect="1" noChangeArrowheads="1"/>
+          </p:cNvPicPr>
           <p:nvPr/>
-        </p:nvSpPr>
-        <p:spPr bwMode="black">
+        </p:nvPicPr>
+        <p:blipFill>
+          <a:blip r:embed="rId3">
+            <a:extLst>
+              <a:ext uri="{28A0092B-C50C-407E-A947-70E740481C1C}">
+                <a14:useLocalDpi xmlns:a14="http://schemas.microsoft.com/office/drawing/2010/main" val="0"/>
+              </a:ext>
+            </a:extLst>
+          </a:blip>
+          <a:srcRect/>
+          <a:stretch>
+            <a:fillRect/>
+          </a:stretch>
+        </p:blipFill>
+        <p:spPr bwMode="auto">
           <a:xfrm>
-            <a:off x="3709917" y="264557"/>
-            <a:ext cx="4486656" cy="1141497"/>
+            <a:off x="6167120" y="1300480"/>
+            <a:ext cx="5951972" cy="4257039"/>
           </a:xfrm>
           <a:prstGeom prst="rect">
             <a:avLst/>
           </a:prstGeom>
-          <a:solidFill>
-            <a:srgbClr val="FFFFFF"/>
-          </a:solidFill>
-          <a:ln w="31750" cap="sq">
-            <a:solidFill>
-              <a:srgbClr val="404040"/>
-            </a:solidFill>
-            <a:miter lim="800000"/>
-          </a:ln>
-        </p:spPr>
-        <p:txBody>
-          <a:bodyPr vert="horz" lIns="182880" tIns="182880" rIns="182880" bIns="182880" rtlCol="0" anchor="ctr">
-            <a:normAutofit fontScale="92500"/>
-          </a:bodyPr>
-          <a:lstStyle>
-            <a:lvl1pPr algn="ctr" defTabSz="914400" rtl="0" eaLnBrk="1" latinLnBrk="0" hangingPunct="1">
-              <a:lnSpc>
-                <a:spcPct val="90000"/>
-              </a:lnSpc>
-              <a:spcBef>
-                <a:spcPct val="0"/>
-              </a:spcBef>
-              <a:buNone/>
-              <a:defRPr sz="2800" kern="1200" cap="all" spc="200" baseline="0">
+          <a:noFill/>
+          <a:extLst>
+            <a:ext uri="{909E8E84-426E-40DD-AFC4-6F175D3DCCD1}">
+              <a14:hiddenFill xmlns:a14="http://schemas.microsoft.com/office/drawing/2010/main">
                 <a:solidFill>
-                  <a:srgbClr val="262626"/>
+                  <a:srgbClr val="FFFFFF"/>
                 </a:solidFill>
-                <a:latin typeface="+mj-lt"/>
-                <a:ea typeface="+mj-ea"/>
-                <a:cs typeface="+mj-cs"/>
-              </a:defRPr>
-            </a:lvl1pPr>
-          </a:lstStyle>
-          <a:p>
-            <a:r>
-              <a:rPr lang="en-US" dirty="0"/>
-              <a:t>Budget Breakdown and Yearly Trends</a:t>
-            </a:r>
-          </a:p>
-        </p:txBody>
-      </p:sp>
-      <p:pic>
-        <p:nvPicPr>
-          <p:cNvPr id="5" name="Production budget Genre.png" descr="Production budget Genre.png">
-            <a:extLst>
-              <a:ext uri="{FF2B5EF4-FFF2-40B4-BE49-F238E27FC236}">
-                <a16:creationId xmlns:a16="http://schemas.microsoft.com/office/drawing/2014/main" id="{0718D89C-CF83-4A2A-A387-3B4B3BB5C48A}"/>
-              </a:ext>
-            </a:extLst>
-          </p:cNvPr>
-          <p:cNvPicPr>
-            <a:picLocks noChangeAspect="1"/>
-          </p:cNvPicPr>
-          <p:nvPr/>
-        </p:nvPicPr>
-        <p:blipFill>
-          <a:blip r:embed="rId3"/>
-          <a:stretch>
-            <a:fillRect/>
-          </a:stretch>
-        </p:blipFill>
-        <p:spPr>
-          <a:xfrm>
-            <a:off x="2949017" y="1554735"/>
-            <a:ext cx="6293965" cy="5038708"/>
-          </a:xfrm>
-          <a:prstGeom prst="rect">
-            <a:avLst/>
-          </a:prstGeom>
-          <a:ln w="12700">
-            <a:miter lim="400000"/>
-          </a:ln>
+              </a14:hiddenFill>
+            </a:ext>
+          </a:extLst>
         </p:spPr>
       </p:pic>
     </p:spTree>
     <p:extLst>
       <p:ext uri="{BB962C8B-B14F-4D97-AF65-F5344CB8AC3E}">
-        <p14:creationId xmlns:p14="http://schemas.microsoft.com/office/powerpoint/2010/main" val="2823130507"/>
+        <p14:creationId xmlns:p14="http://schemas.microsoft.com/office/powerpoint/2010/main" val="3131293074"/>
       </p:ext>
     </p:extLst>
   </p:cSld>
@@ -7343,104 +8824,111 @@
       </p:grpSpPr>
       <p:sp>
         <p:nvSpPr>
-          <p:cNvPr id="4" name="Title 1">
+          <p:cNvPr id="2" name="Title 1">
             <a:extLst>
               <a:ext uri="{FF2B5EF4-FFF2-40B4-BE49-F238E27FC236}">
-                <a16:creationId xmlns:a16="http://schemas.microsoft.com/office/drawing/2014/main" id="{02CAB71F-12A5-494D-BA5A-105D4AAE273A}"/>
+                <a16:creationId xmlns:a16="http://schemas.microsoft.com/office/drawing/2014/main" id="{9E72A7A2-2657-4B9D-AA6F-804D3632F7B1}"/>
               </a:ext>
             </a:extLst>
           </p:cNvPr>
-          <p:cNvSpPr txBox="1">
-            <a:spLocks/>
-          </p:cNvSpPr>
+          <p:cNvSpPr>
+            <a:spLocks noGrp="1"/>
+          </p:cNvSpPr>
+          <p:nvPr>
+            <p:ph type="title"/>
+          </p:nvPr>
+        </p:nvSpPr>
+        <p:spPr/>
+        <p:txBody>
+          <a:bodyPr/>
+          <a:lstStyle/>
+          <a:p>
+            <a:r>
+              <a:rPr lang="en-US" dirty="0"/>
+              <a:t>Yearly trends</a:t>
+            </a:r>
+          </a:p>
+        </p:txBody>
+      </p:sp>
+      <p:sp>
+        <p:nvSpPr>
+          <p:cNvPr id="4" name="Text Placeholder 3">
+            <a:extLst>
+              <a:ext uri="{FF2B5EF4-FFF2-40B4-BE49-F238E27FC236}">
+                <a16:creationId xmlns:a16="http://schemas.microsoft.com/office/drawing/2014/main" id="{172FEE0D-D3B4-46C9-86CE-464A92C7D44C}"/>
+              </a:ext>
+            </a:extLst>
+          </p:cNvPr>
+          <p:cNvSpPr>
+            <a:spLocks noGrp="1"/>
+          </p:cNvSpPr>
+          <p:nvPr>
+            <p:ph type="body" sz="half" idx="2"/>
+          </p:nvPr>
+        </p:nvSpPr>
+        <p:spPr/>
+        <p:txBody>
+          <a:bodyPr/>
+          <a:lstStyle/>
+          <a:p>
+            <a:r>
+              <a:rPr lang="en-US" dirty="0"/>
+              <a:t>Selected genres (Drama, Horror, Mystery, and Thriller) show consistently high ROI over time</a:t>
+            </a:r>
+          </a:p>
+        </p:txBody>
+      </p:sp>
+      <p:pic>
+        <p:nvPicPr>
+          <p:cNvPr id="2050" name="Picture 2">
+            <a:extLst>
+              <a:ext uri="{FF2B5EF4-FFF2-40B4-BE49-F238E27FC236}">
+                <a16:creationId xmlns:a16="http://schemas.microsoft.com/office/drawing/2014/main" id="{47206F62-4706-4FF6-8849-D858E364AE6D}"/>
+              </a:ext>
+            </a:extLst>
+          </p:cNvPr>
+          <p:cNvPicPr>
+            <a:picLocks noChangeAspect="1" noChangeArrowheads="1"/>
+          </p:cNvPicPr>
           <p:nvPr/>
-        </p:nvSpPr>
-        <p:spPr bwMode="black">
+        </p:nvPicPr>
+        <p:blipFill>
+          <a:blip r:embed="rId3">
+            <a:extLst>
+              <a:ext uri="{28A0092B-C50C-407E-A947-70E740481C1C}">
+                <a14:useLocalDpi xmlns:a14="http://schemas.microsoft.com/office/drawing/2010/main" val="0"/>
+              </a:ext>
+            </a:extLst>
+          </a:blip>
+          <a:srcRect/>
+          <a:stretch>
+            <a:fillRect/>
+          </a:stretch>
+        </p:blipFill>
+        <p:spPr bwMode="auto">
           <a:xfrm>
-            <a:off x="3709917" y="264557"/>
-            <a:ext cx="4486656" cy="1141497"/>
+            <a:off x="6214874" y="1072395"/>
+            <a:ext cx="5890998" cy="4955045"/>
           </a:xfrm>
           <a:prstGeom prst="rect">
             <a:avLst/>
           </a:prstGeom>
-          <a:solidFill>
-            <a:srgbClr val="FFFFFF"/>
-          </a:solidFill>
-          <a:ln w="31750" cap="sq">
-            <a:solidFill>
-              <a:srgbClr val="404040"/>
-            </a:solidFill>
-            <a:miter lim="800000"/>
-          </a:ln>
-        </p:spPr>
-        <p:txBody>
-          <a:bodyPr vert="horz" lIns="182880" tIns="182880" rIns="182880" bIns="182880" rtlCol="0" anchor="ctr">
-            <a:normAutofit fontScale="92500"/>
-          </a:bodyPr>
-          <a:lstStyle>
-            <a:lvl1pPr algn="ctr" defTabSz="914400" rtl="0" eaLnBrk="1" latinLnBrk="0" hangingPunct="1">
-              <a:lnSpc>
-                <a:spcPct val="90000"/>
-              </a:lnSpc>
-              <a:spcBef>
-                <a:spcPct val="0"/>
-              </a:spcBef>
-              <a:buNone/>
-              <a:defRPr sz="2800" kern="1200" cap="all" spc="200" baseline="0">
+          <a:noFill/>
+          <a:extLst>
+            <a:ext uri="{909E8E84-426E-40DD-AFC4-6F175D3DCCD1}">
+              <a14:hiddenFill xmlns:a14="http://schemas.microsoft.com/office/drawing/2010/main">
                 <a:solidFill>
-                  <a:srgbClr val="262626"/>
+                  <a:srgbClr val="FFFFFF"/>
                 </a:solidFill>
-                <a:latin typeface="+mj-lt"/>
-                <a:ea typeface="+mj-ea"/>
-                <a:cs typeface="+mj-cs"/>
-              </a:defRPr>
-            </a:lvl1pPr>
-          </a:lstStyle>
-          <a:p>
-            <a:r>
-              <a:rPr lang="en-US" dirty="0"/>
-              <a:t>Budget Breakdown and Yearly Trends</a:t>
-            </a:r>
-          </a:p>
-        </p:txBody>
-      </p:sp>
-      <p:pic>
-        <p:nvPicPr>
-          <p:cNvPr id="6" name="ROI genre line.png" descr="ROI genre line.png">
-            <a:extLst>
-              <a:ext uri="{FF2B5EF4-FFF2-40B4-BE49-F238E27FC236}">
-                <a16:creationId xmlns:a16="http://schemas.microsoft.com/office/drawing/2014/main" id="{E486D6E5-C6E0-4B46-9A0F-FA93C8FA3EF1}"/>
-              </a:ext>
-            </a:extLst>
-          </p:cNvPr>
-          <p:cNvPicPr>
-            <a:picLocks noChangeAspect="1"/>
-          </p:cNvPicPr>
-          <p:nvPr/>
-        </p:nvPicPr>
-        <p:blipFill>
-          <a:blip r:embed="rId3"/>
-          <a:stretch>
-            <a:fillRect/>
-          </a:stretch>
-        </p:blipFill>
-        <p:spPr>
-          <a:xfrm>
-            <a:off x="2801073" y="1527856"/>
-            <a:ext cx="6049513" cy="4961413"/>
-          </a:xfrm>
-          <a:prstGeom prst="rect">
-            <a:avLst/>
-          </a:prstGeom>
-          <a:ln w="12700">
-            <a:miter lim="400000"/>
-          </a:ln>
+              </a14:hiddenFill>
+            </a:ext>
+          </a:extLst>
         </p:spPr>
       </p:pic>
     </p:spTree>
     <p:extLst>
       <p:ext uri="{BB962C8B-B14F-4D97-AF65-F5344CB8AC3E}">
-        <p14:creationId xmlns:p14="http://schemas.microsoft.com/office/powerpoint/2010/main" val="4074684824"/>
+        <p14:creationId xmlns:p14="http://schemas.microsoft.com/office/powerpoint/2010/main" val="2211231911"/>
       </p:ext>
     </p:extLst>
   </p:cSld>
@@ -7469,48 +8957,73 @@
       </p:grpSpPr>
       <p:sp>
         <p:nvSpPr>
-          <p:cNvPr id="3" name="Title 2">
+          <p:cNvPr id="4" name="Title 1">
             <a:extLst>
               <a:ext uri="{FF2B5EF4-FFF2-40B4-BE49-F238E27FC236}">
-                <a16:creationId xmlns:a16="http://schemas.microsoft.com/office/drawing/2014/main" id="{190BA6E9-B706-4DB6-9050-E921FA8B10BB}"/>
+                <a16:creationId xmlns:a16="http://schemas.microsoft.com/office/drawing/2014/main" id="{8D57F90E-3636-4DAA-8121-6E16CF0CDB29}"/>
               </a:ext>
             </a:extLst>
           </p:cNvPr>
-          <p:cNvSpPr>
-            <a:spLocks noGrp="1"/>
-          </p:cNvSpPr>
-          <p:nvPr>
-            <p:ph type="title"/>
-          </p:nvPr>
-        </p:nvSpPr>
-        <p:spPr>
+          <p:cNvSpPr txBox="1">
+            <a:spLocks/>
+          </p:cNvSpPr>
+          <p:nvPr/>
+        </p:nvSpPr>
+        <p:spPr bwMode="blackWhite">
           <a:xfrm>
-            <a:off x="3092126" y="224691"/>
-            <a:ext cx="6456987" cy="1600200"/>
+            <a:off x="2231136" y="964692"/>
+            <a:ext cx="7729728" cy="1188720"/>
           </a:xfrm>
+          <a:prstGeom prst="rect">
+            <a:avLst/>
+          </a:prstGeom>
+          <a:solidFill>
+            <a:srgbClr val="FFFFFF"/>
+          </a:solidFill>
+          <a:ln w="38100" cap="sq">
+            <a:solidFill>
+              <a:srgbClr val="404040"/>
+            </a:solidFill>
+            <a:miter lim="800000"/>
+          </a:ln>
         </p:spPr>
         <p:txBody>
-          <a:bodyPr>
+          <a:bodyPr vert="horz" lIns="274320" tIns="182880" rIns="274320" bIns="182880" rtlCol="0" anchor="ctr" anchorCtr="1">
             <a:normAutofit/>
           </a:bodyPr>
-          <a:lstStyle/>
-          <a:p>
-            <a:pPr algn="ctr"/>
-            <a:r>
-              <a:rPr lang="en-US" sz="4800" dirty="0">
-                <a:latin typeface="Bahnschrift Condensed" panose="020B0502040204020203" pitchFamily="34" charset="0"/>
-              </a:rPr>
-              <a:t>ROI by Genre (2010-2019)</a:t>
+          <a:lstStyle>
+            <a:lvl1pPr algn="ctr" defTabSz="914400" rtl="0" eaLnBrk="1" latinLnBrk="0" hangingPunct="1">
+              <a:lnSpc>
+                <a:spcPct val="90000"/>
+              </a:lnSpc>
+              <a:spcBef>
+                <a:spcPct val="0"/>
+              </a:spcBef>
+              <a:buNone/>
+              <a:defRPr sz="3800" kern="1200" cap="all" spc="200" baseline="0">
+                <a:solidFill>
+                  <a:srgbClr val="262626"/>
+                </a:solidFill>
+                <a:latin typeface="+mj-lt"/>
+                <a:ea typeface="+mj-ea"/>
+                <a:cs typeface="+mj-cs"/>
+              </a:defRPr>
+            </a:lvl1pPr>
+          </a:lstStyle>
+          <a:p>
+            <a:r>
+              <a:rPr lang="en-US" sz="2800" dirty="0"/>
+              <a:t>Number of Genres VS ROI</a:t>
             </a:r>
           </a:p>
         </p:txBody>
       </p:sp>
       <p:pic>
         <p:nvPicPr>
-          <p:cNvPr id="4" name="Content Placeholder 8">
+          <p:cNvPr id="6" name="Picture 5">
             <a:extLst>
               <a:ext uri="{FF2B5EF4-FFF2-40B4-BE49-F238E27FC236}">
-                <a16:creationId xmlns:a16="http://schemas.microsoft.com/office/drawing/2014/main" id="{2D1D65DE-C62D-4504-BBD6-7D53F7DE9DD2}"/>
+                <a16:creationId xmlns:a16="http://schemas.microsoft.com/office/drawing/2014/main" id="{013E000C-45FB-4AA5-94F2-2F1FE1A348A2}"/>
               </a:ext>
             </a:extLst>
           </p:cNvPr>
@@ -7520,7 +9033,7 @@
           <p:nvPr/>
         </p:nvPicPr>
         <p:blipFill>
-          <a:blip r:embed="rId2">
+          <a:blip r:embed="rId3">
             <a:extLst>
               <a:ext uri="{28A0092B-C50C-407E-A947-70E740481C1C}">
                 <a14:useLocalDpi xmlns:a14="http://schemas.microsoft.com/office/drawing/2010/main" val="0"/>
@@ -7533,8 +9046,8 @@
         </p:blipFill>
         <p:spPr>
           <a:xfrm>
-            <a:off x="3513758" y="2037896"/>
-            <a:ext cx="5514496" cy="4595413"/>
+            <a:off x="2903910" y="2255012"/>
+            <a:ext cx="6384180" cy="3885711"/>
           </a:xfrm>
           <a:prstGeom prst="rect">
             <a:avLst/>
@@ -7544,7 +9057,7 @@
     </p:spTree>
     <p:extLst>
       <p:ext uri="{BB962C8B-B14F-4D97-AF65-F5344CB8AC3E}">
-        <p14:creationId xmlns:p14="http://schemas.microsoft.com/office/powerpoint/2010/main" val="1656031573"/>
+        <p14:creationId xmlns:p14="http://schemas.microsoft.com/office/powerpoint/2010/main" val="3586685502"/>
       </p:ext>
     </p:extLst>
   </p:cSld>
@@ -7573,10 +9086,10 @@
       </p:grpSpPr>
       <p:sp>
         <p:nvSpPr>
-          <p:cNvPr id="3" name="Title 2">
+          <p:cNvPr id="2" name="Title 1">
             <a:extLst>
               <a:ext uri="{FF2B5EF4-FFF2-40B4-BE49-F238E27FC236}">
-                <a16:creationId xmlns:a16="http://schemas.microsoft.com/office/drawing/2014/main" id="{70601590-17C1-43D9-9D8C-30D298D87384}"/>
+                <a16:creationId xmlns:a16="http://schemas.microsoft.com/office/drawing/2014/main" id="{C7764EE0-95DF-40F3-BB13-D94CCA33A70D}"/>
               </a:ext>
             </a:extLst>
           </p:cNvPr>
@@ -7587,34 +9100,26 @@
             <p:ph type="title"/>
           </p:nvPr>
         </p:nvSpPr>
-        <p:spPr>
-          <a:xfrm>
-            <a:off x="946108" y="237281"/>
-            <a:ext cx="10299783" cy="1600200"/>
-          </a:xfrm>
-        </p:spPr>
+        <p:spPr/>
         <p:txBody>
           <a:bodyPr>
             <a:normAutofit/>
           </a:bodyPr>
           <a:lstStyle/>
           <a:p>
-            <a:pPr algn="ctr"/>
-            <a:r>
-              <a:rPr lang="en-US" sz="4400" dirty="0">
-                <a:latin typeface="Bahnschrift Condensed" panose="020B0502040204020203" pitchFamily="34" charset="0"/>
-              </a:rPr>
-              <a:t>Difference by Genre (2010-2019)</a:t>
+            <a:r>
+              <a:rPr lang="en-US" dirty="0"/>
+              <a:t>Number of Genres VS Budget</a:t>
             </a:r>
           </a:p>
         </p:txBody>
       </p:sp>
       <p:pic>
         <p:nvPicPr>
-          <p:cNvPr id="4" name="Content Placeholder 7">
+          <p:cNvPr id="6" name="Picture 5">
             <a:extLst>
               <a:ext uri="{FF2B5EF4-FFF2-40B4-BE49-F238E27FC236}">
-                <a16:creationId xmlns:a16="http://schemas.microsoft.com/office/drawing/2014/main" id="{88B6CE44-7706-4E08-84B0-95D883247B75}"/>
+                <a16:creationId xmlns:a16="http://schemas.microsoft.com/office/drawing/2014/main" id="{FE277F50-E288-414C-9504-A2FD93545E23}"/>
               </a:ext>
             </a:extLst>
           </p:cNvPr>
@@ -7624,7 +9129,7 @@
           <p:nvPr/>
         </p:nvPicPr>
         <p:blipFill>
-          <a:blip r:embed="rId2">
+          <a:blip r:embed="rId3">
             <a:extLst>
               <a:ext uri="{28A0092B-C50C-407E-A947-70E740481C1C}">
                 <a14:useLocalDpi xmlns:a14="http://schemas.microsoft.com/office/drawing/2010/main" val="0"/>
@@ -7637,8 +9142,8 @@
         </p:blipFill>
         <p:spPr>
           <a:xfrm>
-            <a:off x="3575875" y="2074744"/>
-            <a:ext cx="4816475" cy="4051175"/>
+            <a:off x="2493348" y="2267414"/>
+            <a:ext cx="7205304" cy="4001306"/>
           </a:xfrm>
           <a:prstGeom prst="rect">
             <a:avLst/>
@@ -7648,7 +9153,7 @@
     </p:spTree>
     <p:extLst>
       <p:ext uri="{BB962C8B-B14F-4D97-AF65-F5344CB8AC3E}">
-        <p14:creationId xmlns:p14="http://schemas.microsoft.com/office/powerpoint/2010/main" val="2785638096"/>
+        <p14:creationId xmlns:p14="http://schemas.microsoft.com/office/powerpoint/2010/main" val="2362057817"/>
       </p:ext>
     </p:extLst>
   </p:cSld>
